--- a/Vegetarian and Carnivore Classification/Vegetarian and Carnivore Classification.pptx
+++ b/Vegetarian and Carnivore Classification/Vegetarian and Carnivore Classification.pptx
@@ -5,24 +5,26 @@
     <p:sldMasterId id="2147483648" r:id="rId4"/>
   </p:sldMasterIdLst>
   <p:notesMasterIdLst>
-    <p:notesMasterId r:id="rId17"/>
+    <p:notesMasterId r:id="rId19"/>
   </p:notesMasterIdLst>
   <p:handoutMasterIdLst>
-    <p:handoutMasterId r:id="rId18"/>
+    <p:handoutMasterId r:id="rId20"/>
   </p:handoutMasterIdLst>
   <p:sldIdLst>
     <p:sldId id="266" r:id="rId5"/>
-    <p:sldId id="273" r:id="rId6"/>
-    <p:sldId id="258" r:id="rId7"/>
-    <p:sldId id="272" r:id="rId8"/>
+    <p:sldId id="258" r:id="rId6"/>
+    <p:sldId id="272" r:id="rId7"/>
+    <p:sldId id="273" r:id="rId8"/>
     <p:sldId id="280" r:id="rId9"/>
-    <p:sldId id="275" r:id="rId10"/>
-    <p:sldId id="282" r:id="rId11"/>
-    <p:sldId id="283" r:id="rId12"/>
-    <p:sldId id="285" r:id="rId13"/>
-    <p:sldId id="284" r:id="rId14"/>
-    <p:sldId id="281" r:id="rId15"/>
-    <p:sldId id="286" r:id="rId16"/>
+    <p:sldId id="288" r:id="rId10"/>
+    <p:sldId id="275" r:id="rId11"/>
+    <p:sldId id="282" r:id="rId12"/>
+    <p:sldId id="283" r:id="rId13"/>
+    <p:sldId id="285" r:id="rId14"/>
+    <p:sldId id="287" r:id="rId15"/>
+    <p:sldId id="284" r:id="rId16"/>
+    <p:sldId id="281" r:id="rId17"/>
+    <p:sldId id="286" r:id="rId18"/>
   </p:sldIdLst>
   <p:sldSz cx="12188825" cy="6858000"/>
   <p:notesSz cx="6858000" cy="9144000"/>
@@ -3486,7 +3488,7 @@
           <a:p>
             <a:fld id="{705E03B7-B591-4A2A-B695-014C5A39F13E}" type="datetimeFigureOut">
               <a:rPr lang="en-US"/>
-              <a:t>12/6/2020</a:t>
+              <a:t>12/7/2020</a:t>
             </a:fld>
             <a:endParaRPr/>
           </a:p>
@@ -3651,7 +3653,7 @@
           <a:p>
             <a:fld id="{67DFBD7B-E4FB-4AA8-9540-FD148073ACB3}" type="datetimeFigureOut">
               <a:rPr lang="en-US"/>
-              <a:t>12/6/2020</a:t>
+              <a:t>12/7/2020</a:t>
             </a:fld>
             <a:endParaRPr/>
           </a:p>
@@ -4297,7 +4299,7 @@
           <a:p>
             <a:fld id="{A7209051-6E81-43E8-9099-FF6A0C3DCFE8}" type="datetime1">
               <a:rPr lang="en-US"/>
-              <a:t>12/6/2020</a:t>
+              <a:t>12/7/2020</a:t>
             </a:fld>
             <a:endParaRPr/>
           </a:p>
@@ -4498,7 +4500,7 @@
           <a:p>
             <a:fld id="{EDCEAB04-7709-4C1E-A61A-74684A0170FC}" type="datetime1">
               <a:rPr lang="en-US"/>
-              <a:t>12/6/2020</a:t>
+              <a:t>12/7/2020</a:t>
             </a:fld>
             <a:endParaRPr/>
           </a:p>
@@ -5048,7 +5050,7 @@
           <a:p>
             <a:fld id="{0C79BD0D-E0B1-4CED-AC65-708AC79EB9CD}" type="datetime1">
               <a:rPr lang="en-US"/>
-              <a:t>12/6/2020</a:t>
+              <a:t>12/7/2020</a:t>
             </a:fld>
             <a:endParaRPr/>
           </a:p>
@@ -5183,7 +5185,7 @@
           <a:p>
             <a:fld id="{F69074B9-88AA-4D37-98A2-15CABEB51A78}" type="datetimeFigureOut">
               <a:rPr lang="en-US" smtClean="0"/>
-              <a:t>12/6/2020</a:t>
+              <a:t>12/7/2020</a:t>
             </a:fld>
             <a:endParaRPr lang="en-US" dirty="0"/>
           </a:p>
@@ -5451,7 +5453,7 @@
           <a:p>
             <a:fld id="{0CC3EA6D-DF0B-4D4B-B359-5F1D1D0E30A4}" type="datetime1">
               <a:rPr lang="en-US"/>
-              <a:t>12/6/2020</a:t>
+              <a:t>12/7/2020</a:t>
             </a:fld>
             <a:endParaRPr/>
           </a:p>
@@ -6055,7 +6057,7 @@
           <a:p>
             <a:fld id="{977EDB99-15BC-4479-BAC5-1E502E66917A}" type="datetime1">
               <a:rPr lang="en-US"/>
-              <a:t>12/6/2020</a:t>
+              <a:t>12/7/2020</a:t>
             </a:fld>
             <a:endParaRPr/>
           </a:p>
@@ -6367,7 +6369,7 @@
           <a:p>
             <a:fld id="{4067C2A3-CD19-48AB-9F64-ECCF75182EDD}" type="datetime1">
               <a:rPr lang="en-US"/>
-              <a:t>12/6/2020</a:t>
+              <a:t>12/7/2020</a:t>
             </a:fld>
             <a:endParaRPr/>
           </a:p>
@@ -6829,7 +6831,7 @@
           <a:p>
             <a:fld id="{0363E8C1-7C87-4705-AB97-8CD17D208E3F}" type="datetime1">
               <a:rPr lang="en-US"/>
-              <a:t>12/6/2020</a:t>
+              <a:t>12/7/2020</a:t>
             </a:fld>
             <a:endParaRPr/>
           </a:p>
@@ -6962,7 +6964,7 @@
           <a:p>
             <a:fld id="{E20C624E-DF92-4841-B9B9-DD11AA239B85}" type="datetime1">
               <a:rPr lang="en-US"/>
-              <a:t>12/6/2020</a:t>
+              <a:t>12/7/2020</a:t>
             </a:fld>
             <a:endParaRPr/>
           </a:p>
@@ -7255,7 +7257,7 @@
           <a:p>
             <a:fld id="{FBDA3AE1-4360-4D5B-BDBC-656B872DD533}" type="datetime1">
               <a:rPr lang="en-US"/>
-              <a:t>12/6/2020</a:t>
+              <a:t>12/7/2020</a:t>
             </a:fld>
             <a:endParaRPr/>
           </a:p>
@@ -7554,7 +7556,7 @@
           <a:p>
             <a:fld id="{20990708-46A4-4851-883E-8DFB8939107E}" type="datetime1">
               <a:rPr lang="en-US"/>
-              <a:t>12/6/2020</a:t>
+              <a:t>12/7/2020</a:t>
             </a:fld>
             <a:endParaRPr/>
           </a:p>
@@ -7838,7 +7840,7 @@
           <a:p>
             <a:fld id="{AE88EFFC-86AE-4294-A319-CAFC2651994B}" type="datetime1">
               <a:rPr lang="en-US"/>
-              <a:t>12/6/2020</a:t>
+              <a:t>12/7/2020</a:t>
             </a:fld>
             <a:endParaRPr/>
           </a:p>
@@ -8420,7 +8422,7 @@
             <a:fld id="{D29E8617-6EA8-4B97-A5E8-E18E98765EE2}" type="datetime1">
               <a:rPr lang="en-US"/>
               <a:pPr/>
-              <a:t>12/6/2020</a:t>
+              <a:t>12/7/2020</a:t>
             </a:fld>
             <a:endParaRPr dirty="0"/>
           </a:p>
@@ -9272,8 +9274,8 @@
         </p:nvSpPr>
         <p:spPr>
           <a:xfrm>
-            <a:off x="4786628" y="698962"/>
-            <a:ext cx="3220919" cy="605939"/>
+            <a:off x="4714647" y="689149"/>
+            <a:ext cx="3364881" cy="605939"/>
           </a:xfrm>
           <a:prstGeom prst="rect">
             <a:avLst/>
@@ -9411,8 +9413,8 @@
         </p:nvSpPr>
         <p:spPr>
           <a:xfrm>
-            <a:off x="1197868" y="404664"/>
-            <a:ext cx="9001000" cy="646331"/>
+            <a:off x="2583912" y="223965"/>
+            <a:ext cx="6480000" cy="646331"/>
           </a:xfrm>
           <a:prstGeom prst="rect">
             <a:avLst/>
@@ -9435,51 +9437,7 @@
             </a:pPr>
             <a:r>
               <a:rPr lang="en-SG" sz="3600" b="1" dirty="0"/>
-              <a:t>Misclassification Analysis</a:t>
-            </a:r>
-            <a:endParaRPr lang="en-US" sz="2800" b="1" dirty="0"/>
-          </a:p>
-        </p:txBody>
-      </p:sp>
-      <p:sp>
-        <p:nvSpPr>
-          <p:cNvPr id="4" name="TextBox 3">
-            <a:extLst>
-              <a:ext uri="{FF2B5EF4-FFF2-40B4-BE49-F238E27FC236}">
-                <a16:creationId xmlns:a16="http://schemas.microsoft.com/office/drawing/2014/main" id="{778DDCD8-ADD6-461A-B3D5-F5ACD23377F1}"/>
-              </a:ext>
-            </a:extLst>
-          </p:cNvPr>
-          <p:cNvSpPr txBox="1"/>
-          <p:nvPr/>
-        </p:nvSpPr>
-        <p:spPr>
-          <a:xfrm>
-            <a:off x="1197868" y="1124744"/>
-            <a:ext cx="9001000" cy="646331"/>
-          </a:xfrm>
-          <a:prstGeom prst="rect">
-            <a:avLst/>
-          </a:prstGeom>
-          <a:noFill/>
-        </p:spPr>
-        <p:txBody>
-          <a:bodyPr wrap="square">
-            <a:spAutoFit/>
-          </a:bodyPr>
-          <a:lstStyle/>
-          <a:p>
-            <a:pPr>
-              <a:spcBef>
-                <a:spcPts val="600"/>
-              </a:spcBef>
-              <a:spcAft>
-                <a:spcPts val="600"/>
-              </a:spcAft>
-            </a:pPr>
-            <a:r>
-              <a:rPr lang="en-SG" sz="3600" b="1" dirty="0"/>
-              <a:t>False Positive Example</a:t>
+              <a:t>Confusion Matrix Results</a:t>
             </a:r>
             <a:endParaRPr lang="en-US" sz="2800" b="1" dirty="0"/>
           </a:p>
@@ -9490,7 +9448,7 @@
           <p:cNvPr id="3" name="Picture 2">
             <a:extLst>
               <a:ext uri="{FF2B5EF4-FFF2-40B4-BE49-F238E27FC236}">
-                <a16:creationId xmlns:a16="http://schemas.microsoft.com/office/drawing/2014/main" id="{6FD82651-6CBE-4782-B7B9-765E09B715B4}"/>
+                <a16:creationId xmlns:a16="http://schemas.microsoft.com/office/drawing/2014/main" id="{2C2C02C4-A18E-4F11-B76C-B988237B5285}"/>
               </a:ext>
             </a:extLst>
           </p:cNvPr>
@@ -9507,20 +9465,300 @@
         </p:blipFill>
         <p:spPr>
           <a:xfrm>
-            <a:off x="1197868" y="1771075"/>
-            <a:ext cx="9505950" cy="876300"/>
+            <a:off x="1864412" y="892589"/>
+            <a:ext cx="8460000" cy="1264749"/>
           </a:xfrm>
           <a:prstGeom prst="rect">
             <a:avLst/>
           </a:prstGeom>
         </p:spPr>
       </p:pic>
+      <p:sp>
+        <p:nvSpPr>
+          <p:cNvPr id="10" name="Rectangle: Rounded Corners 9">
+            <a:extLst>
+              <a:ext uri="{FF2B5EF4-FFF2-40B4-BE49-F238E27FC236}">
+                <a16:creationId xmlns:a16="http://schemas.microsoft.com/office/drawing/2014/main" id="{62F5D84D-E026-407C-A7A0-C23BA3ECC706}"/>
+              </a:ext>
+            </a:extLst>
+          </p:cNvPr>
+          <p:cNvSpPr/>
+          <p:nvPr/>
+        </p:nvSpPr>
+        <p:spPr>
+          <a:xfrm>
+            <a:off x="1864412" y="1196752"/>
+            <a:ext cx="8298452" cy="288032"/>
+          </a:xfrm>
+          <a:prstGeom prst="roundRect">
+            <a:avLst/>
+          </a:prstGeom>
+          <a:noFill/>
+          <a:ln w="38100" cap="flat" cmpd="sng" algn="ctr">
+            <a:solidFill>
+              <a:schemeClr val="accent3"/>
+            </a:solidFill>
+            <a:prstDash val="solid"/>
+            <a:round/>
+            <a:headEnd type="none" w="med" len="med"/>
+            <a:tailEnd type="none" w="med" len="med"/>
+          </a:ln>
+        </p:spPr>
+        <p:style>
+          <a:lnRef idx="0">
+            <a:scrgbClr r="0" g="0" b="0"/>
+          </a:lnRef>
+          <a:fillRef idx="0">
+            <a:scrgbClr r="0" g="0" b="0"/>
+          </a:fillRef>
+          <a:effectRef idx="0">
+            <a:scrgbClr r="0" g="0" b="0"/>
+          </a:effectRef>
+          <a:fontRef idx="minor">
+            <a:schemeClr val="accent3"/>
+          </a:fontRef>
+        </p:style>
+        <p:txBody>
+          <a:bodyPr rtlCol="0" anchor="ctr"/>
+          <a:lstStyle/>
+          <a:p>
+            <a:pPr algn="ctr"/>
+            <a:endParaRPr lang="en-SG"/>
+          </a:p>
+        </p:txBody>
+      </p:sp>
+      <p:sp>
+        <p:nvSpPr>
+          <p:cNvPr id="7" name="TextBox 6">
+            <a:extLst>
+              <a:ext uri="{FF2B5EF4-FFF2-40B4-BE49-F238E27FC236}">
+                <a16:creationId xmlns:a16="http://schemas.microsoft.com/office/drawing/2014/main" id="{F13B736C-E1D1-49EC-A084-5DC9DCEFE3AE}"/>
+              </a:ext>
+            </a:extLst>
+          </p:cNvPr>
+          <p:cNvSpPr txBox="1"/>
+          <p:nvPr/>
+        </p:nvSpPr>
+        <p:spPr>
+          <a:xfrm>
+            <a:off x="3140614" y="2178124"/>
+            <a:ext cx="8939069" cy="3416320"/>
+          </a:xfrm>
+          <a:prstGeom prst="rect">
+            <a:avLst/>
+          </a:prstGeom>
+          <a:noFill/>
+        </p:spPr>
+        <p:txBody>
+          <a:bodyPr wrap="square" rtlCol="0">
+            <a:spAutoFit/>
+          </a:bodyPr>
+          <a:lstStyle/>
+          <a:p>
+            <a:pPr marL="342900" indent="-342900">
+              <a:buFont typeface="Arial" panose="020B0604020202020204" pitchFamily="34" charset="0"/>
+              <a:buChar char="•"/>
+            </a:pPr>
+            <a:r>
+              <a:rPr kumimoji="0" lang="en-US" altLang="en-US" b="0" i="0" u="none" strike="noStrike" cap="none" normalizeH="0" baseline="0" dirty="0">
+                <a:ln>
+                  <a:noFill/>
+                </a:ln>
+                <a:solidFill>
+                  <a:srgbClr val="000000"/>
+                </a:solidFill>
+                <a:effectLst/>
+                <a:ea typeface="Courier New" panose="02070309020205020404" pitchFamily="49" charset="0"/>
+              </a:rPr>
+              <a:t>My model correctly predicted 90.31% of observations (Accuracy) </a:t>
+            </a:r>
+          </a:p>
+          <a:p>
+            <a:pPr marL="342900" indent="-342900">
+              <a:buFont typeface="Arial" panose="020B0604020202020204" pitchFamily="34" charset="0"/>
+              <a:buChar char="•"/>
+            </a:pPr>
+            <a:r>
+              <a:rPr kumimoji="0" lang="en-US" altLang="en-US" b="0" i="0" u="none" strike="noStrike" cap="none" normalizeH="0" baseline="0" dirty="0">
+                <a:ln>
+                  <a:noFill/>
+                </a:ln>
+                <a:solidFill>
+                  <a:srgbClr val="000000"/>
+                </a:solidFill>
+                <a:effectLst/>
+                <a:ea typeface="Courier New" panose="02070309020205020404" pitchFamily="49" charset="0"/>
+              </a:rPr>
+              <a:t>My model incorrectly predicted 9.69% of observations (Misclassification rate) </a:t>
+            </a:r>
+          </a:p>
+          <a:p>
+            <a:pPr marL="342900" indent="-342900">
+              <a:buFont typeface="Arial" panose="020B0604020202020204" pitchFamily="34" charset="0"/>
+              <a:buChar char="•"/>
+            </a:pPr>
+            <a:r>
+              <a:rPr kumimoji="0" lang="en-US" altLang="en-US" b="0" i="0" u="none" strike="noStrike" cap="none" normalizeH="0" baseline="0" dirty="0">
+                <a:ln>
+                  <a:noFill/>
+                </a:ln>
+                <a:solidFill>
+                  <a:srgbClr val="000000"/>
+                </a:solidFill>
+                <a:effectLst/>
+                <a:ea typeface="Courier New" panose="02070309020205020404" pitchFamily="49" charset="0"/>
+              </a:rPr>
+              <a:t>For the posts of vegetarian, my model has correctly predicted 91.14% (Sensitivity) </a:t>
+            </a:r>
+          </a:p>
+          <a:p>
+            <a:pPr marL="342900" indent="-342900">
+              <a:buFont typeface="Arial" panose="020B0604020202020204" pitchFamily="34" charset="0"/>
+              <a:buChar char="•"/>
+            </a:pPr>
+            <a:r>
+              <a:rPr kumimoji="0" lang="en-US" altLang="en-US" b="0" i="0" u="none" strike="noStrike" cap="none" normalizeH="0" baseline="0" dirty="0">
+                <a:ln>
+                  <a:noFill/>
+                </a:ln>
+                <a:solidFill>
+                  <a:srgbClr val="000000"/>
+                </a:solidFill>
+                <a:effectLst/>
+                <a:ea typeface="Courier New" panose="02070309020205020404" pitchFamily="49" charset="0"/>
+              </a:rPr>
+              <a:t>For the posts of carnivore, my model has correctly predicted 89.49% (Specificity) </a:t>
+            </a:r>
+          </a:p>
+          <a:p>
+            <a:pPr marL="342900" indent="-342900">
+              <a:buFont typeface="Arial" panose="020B0604020202020204" pitchFamily="34" charset="0"/>
+              <a:buChar char="•"/>
+            </a:pPr>
+            <a:r>
+              <a:rPr kumimoji="0" lang="en-US" altLang="en-US" b="0" i="0" u="none" strike="noStrike" cap="none" normalizeH="0" baseline="0" dirty="0">
+                <a:ln>
+                  <a:noFill/>
+                </a:ln>
+                <a:solidFill>
+                  <a:srgbClr val="000000"/>
+                </a:solidFill>
+                <a:effectLst/>
+                <a:ea typeface="Courier New" panose="02070309020205020404" pitchFamily="49" charset="0"/>
+              </a:rPr>
+              <a:t>Among posts that are in vegetarian, my model has correctly predicted 89.49% (Precision)</a:t>
+            </a:r>
+            <a:r>
+              <a:rPr kumimoji="0" lang="en-US" altLang="en-US" b="0" i="0" u="none" strike="noStrike" cap="none" normalizeH="0" baseline="0" dirty="0">
+                <a:ln>
+                  <a:noFill/>
+                </a:ln>
+                <a:solidFill>
+                  <a:schemeClr val="tx1"/>
+                </a:solidFill>
+                <a:effectLst/>
+              </a:rPr>
+              <a:t> </a:t>
+            </a:r>
+            <a:endParaRPr lang="en-SG" dirty="0"/>
+          </a:p>
+        </p:txBody>
+      </p:sp>
+      <p:sp>
+        <p:nvSpPr>
+          <p:cNvPr id="15" name="Rectangle 2">
+            <a:extLst>
+              <a:ext uri="{FF2B5EF4-FFF2-40B4-BE49-F238E27FC236}">
+                <a16:creationId xmlns:a16="http://schemas.microsoft.com/office/drawing/2014/main" id="{3D3F9D88-F841-48BA-AFF6-C95F9E877E9C}"/>
+              </a:ext>
+            </a:extLst>
+          </p:cNvPr>
+          <p:cNvSpPr>
+            <a:spLocks noChangeArrowheads="1"/>
+          </p:cNvSpPr>
+          <p:nvPr/>
+        </p:nvSpPr>
+        <p:spPr bwMode="auto">
+          <a:xfrm>
+            <a:off x="0" y="90100"/>
+            <a:ext cx="65" cy="276999"/>
+          </a:xfrm>
+          <a:prstGeom prst="rect">
+            <a:avLst/>
+          </a:prstGeom>
+          <a:solidFill>
+            <a:srgbClr val="FFFFFF"/>
+          </a:solidFill>
+          <a:ln>
+            <a:noFill/>
+          </a:ln>
+          <a:effectLst/>
+          <a:extLst>
+            <a:ext uri="{91240B29-F687-4F45-9708-019B960494DF}">
+              <a14:hiddenLine xmlns:a14="http://schemas.microsoft.com/office/drawing/2010/main" w="9525">
+                <a:solidFill>
+                  <a:schemeClr val="tx1"/>
+                </a:solidFill>
+                <a:miter lim="800000"/>
+                <a:headEnd/>
+                <a:tailEnd/>
+              </a14:hiddenLine>
+            </a:ext>
+            <a:ext uri="{AF507438-7753-43E0-B8FC-AC1667EBCBE1}">
+              <a14:hiddenEffects xmlns:a14="http://schemas.microsoft.com/office/drawing/2010/main">
+                <a:effectLst>
+                  <a:outerShdw dist="35921" dir="2700000" algn="ctr" rotWithShape="0">
+                    <a:schemeClr val="bg2"/>
+                  </a:outerShdw>
+                </a:effectLst>
+              </a14:hiddenEffects>
+            </a:ext>
+          </a:extLst>
+        </p:spPr>
+        <p:txBody>
+          <a:bodyPr vert="horz" wrap="none" lIns="0" tIns="0" rIns="0" bIns="0" numCol="1" anchor="ctr" anchorCtr="0" compatLnSpc="1">
+            <a:prstTxWarp prst="textNoShape">
+              <a:avLst/>
+            </a:prstTxWarp>
+            <a:spAutoFit/>
+          </a:bodyPr>
+          <a:lstStyle/>
+          <a:p>
+            <a:pPr marL="0" marR="0" lvl="0" indent="0" algn="l" defTabSz="914400" rtl="0" eaLnBrk="0" fontAlgn="base" latinLnBrk="0" hangingPunct="0">
+              <a:lnSpc>
+                <a:spcPct val="100000"/>
+              </a:lnSpc>
+              <a:spcBef>
+                <a:spcPct val="0"/>
+              </a:spcBef>
+              <a:spcAft>
+                <a:spcPct val="0"/>
+              </a:spcAft>
+              <a:buClrTx/>
+              <a:buSzTx/>
+              <a:buFontTx/>
+              <a:buNone/>
+              <a:tabLst/>
+            </a:pPr>
+            <a:endParaRPr kumimoji="0" lang="en-US" altLang="en-US" sz="1800" b="0" i="0" u="none" strike="noStrike" cap="none" normalizeH="0" baseline="0" dirty="0">
+              <a:ln>
+                <a:noFill/>
+              </a:ln>
+              <a:solidFill>
+                <a:schemeClr val="tx1"/>
+              </a:solidFill>
+              <a:effectLst/>
+              <a:latin typeface="Arial" panose="020B0604020202020204" pitchFamily="34" charset="0"/>
+            </a:endParaRPr>
+          </a:p>
+        </p:txBody>
+      </p:sp>
       <p:pic>
         <p:nvPicPr>
-          <p:cNvPr id="5" name="Picture 4">
+          <p:cNvPr id="16" name="Picture 15">
             <a:extLst>
               <a:ext uri="{FF2B5EF4-FFF2-40B4-BE49-F238E27FC236}">
-                <a16:creationId xmlns:a16="http://schemas.microsoft.com/office/drawing/2014/main" id="{8F8E46EC-94D7-4128-88C7-882752536F11}"/>
+                <a16:creationId xmlns:a16="http://schemas.microsoft.com/office/drawing/2014/main" id="{E5FC7F57-F6D4-4742-9A77-9B7A747268BD}"/>
               </a:ext>
             </a:extLst>
           </p:cNvPr>
@@ -9537,8 +9775,8 @@
         </p:blipFill>
         <p:spPr>
           <a:xfrm>
-            <a:off x="1197868" y="2647375"/>
-            <a:ext cx="4562475" cy="419100"/>
+            <a:off x="45740" y="2179631"/>
+            <a:ext cx="3060000" cy="2575933"/>
           </a:xfrm>
           <a:prstGeom prst="rect">
             <a:avLst/>
@@ -9547,10 +9785,10 @@
       </p:pic>
       <p:sp>
         <p:nvSpPr>
-          <p:cNvPr id="7" name="TextBox 6">
+          <p:cNvPr id="17" name="TextBox 16">
             <a:extLst>
               <a:ext uri="{FF2B5EF4-FFF2-40B4-BE49-F238E27FC236}">
-                <a16:creationId xmlns:a16="http://schemas.microsoft.com/office/drawing/2014/main" id="{A08A2542-B7A0-4ED7-BAA9-581FBA2A5235}"/>
+                <a16:creationId xmlns:a16="http://schemas.microsoft.com/office/drawing/2014/main" id="{8BAEBAAB-2561-4A73-A72A-13C6308C1F24}"/>
               </a:ext>
             </a:extLst>
           </p:cNvPr>
@@ -9559,8 +9797,8 @@
         </p:nvSpPr>
         <p:spPr>
           <a:xfrm>
-            <a:off x="1197868" y="3211295"/>
-            <a:ext cx="9001000" cy="646331"/>
+            <a:off x="453743" y="2323182"/>
+            <a:ext cx="396000" cy="276999"/>
           </a:xfrm>
           <a:prstGeom prst="rect">
             <a:avLst/>
@@ -9568,91 +9806,189 @@
           <a:noFill/>
         </p:spPr>
         <p:txBody>
-          <a:bodyPr wrap="square">
+          <a:bodyPr wrap="square" rtlCol="0">
             <a:spAutoFit/>
           </a:bodyPr>
           <a:lstStyle/>
           <a:p>
-            <a:pPr>
-              <a:spcBef>
-                <a:spcPts val="600"/>
-              </a:spcBef>
-              <a:spcAft>
-                <a:spcPts val="600"/>
-              </a:spcAft>
-            </a:pPr>
-            <a:r>
-              <a:rPr lang="en-SG" sz="3600" b="1" dirty="0"/>
-              <a:t>False Negative Example</a:t>
-            </a:r>
-            <a:endParaRPr lang="en-US" sz="2800" b="1" dirty="0"/>
+            <a:r>
+              <a:rPr lang="en-US" sz="1200" dirty="0">
+                <a:solidFill>
+                  <a:schemeClr val="bg1"/>
+                </a:solidFill>
+              </a:rPr>
+              <a:t>TN</a:t>
+            </a:r>
+            <a:endParaRPr lang="en-SG" sz="1100" dirty="0">
+              <a:solidFill>
+                <a:schemeClr val="bg1"/>
+              </a:solidFill>
+            </a:endParaRPr>
           </a:p>
         </p:txBody>
       </p:sp>
-      <p:pic>
-        <p:nvPicPr>
-          <p:cNvPr id="6" name="Picture 5">
+      <p:sp>
+        <p:nvSpPr>
+          <p:cNvPr id="18" name="TextBox 17">
             <a:extLst>
               <a:ext uri="{FF2B5EF4-FFF2-40B4-BE49-F238E27FC236}">
-                <a16:creationId xmlns:a16="http://schemas.microsoft.com/office/drawing/2014/main" id="{6CC10D05-43A3-419F-81DA-6F6680606B9E}"/>
+                <a16:creationId xmlns:a16="http://schemas.microsoft.com/office/drawing/2014/main" id="{B8E370FA-3ACC-4DD1-8738-A2A43CE297D9}"/>
               </a:ext>
             </a:extLst>
           </p:cNvPr>
-          <p:cNvPicPr>
-            <a:picLocks noChangeAspect="1"/>
-          </p:cNvPicPr>
+          <p:cNvSpPr txBox="1"/>
           <p:nvPr/>
-        </p:nvPicPr>
-        <p:blipFill>
-          <a:blip r:embed="rId4"/>
-          <a:stretch>
-            <a:fillRect/>
-          </a:stretch>
-        </p:blipFill>
+        </p:nvSpPr>
         <p:spPr>
           <a:xfrm>
-            <a:off x="1197868" y="3862963"/>
-            <a:ext cx="9515475" cy="695325"/>
+            <a:off x="2037919" y="3913309"/>
+            <a:ext cx="396000" cy="276999"/>
           </a:xfrm>
           <a:prstGeom prst="rect">
             <a:avLst/>
           </a:prstGeom>
+          <a:noFill/>
         </p:spPr>
-      </p:pic>
-      <p:pic>
-        <p:nvPicPr>
-          <p:cNvPr id="9" name="Picture 8">
+        <p:txBody>
+          <a:bodyPr wrap="square" rtlCol="0">
+            <a:spAutoFit/>
+          </a:bodyPr>
+          <a:lstStyle/>
+          <a:p>
+            <a:r>
+              <a:rPr lang="en-US" sz="1200" dirty="0">
+                <a:solidFill>
+                  <a:schemeClr val="bg1"/>
+                </a:solidFill>
+              </a:rPr>
+              <a:t>TP</a:t>
+            </a:r>
+            <a:endParaRPr lang="en-SG" sz="1100" dirty="0">
+              <a:solidFill>
+                <a:schemeClr val="bg1"/>
+              </a:solidFill>
+            </a:endParaRPr>
+          </a:p>
+        </p:txBody>
+      </p:sp>
+      <p:sp>
+        <p:nvSpPr>
+          <p:cNvPr id="19" name="TextBox 18">
             <a:extLst>
               <a:ext uri="{FF2B5EF4-FFF2-40B4-BE49-F238E27FC236}">
-                <a16:creationId xmlns:a16="http://schemas.microsoft.com/office/drawing/2014/main" id="{53225156-992D-463C-838C-FD2679F8A9D7}"/>
+                <a16:creationId xmlns:a16="http://schemas.microsoft.com/office/drawing/2014/main" id="{FA819066-17AA-424A-A8D1-38C26E413D2D}"/>
               </a:ext>
             </a:extLst>
           </p:cNvPr>
-          <p:cNvPicPr>
-            <a:picLocks noChangeAspect="1"/>
-          </p:cNvPicPr>
+          <p:cNvSpPr txBox="1"/>
           <p:nvPr/>
-        </p:nvPicPr>
-        <p:blipFill>
-          <a:blip r:embed="rId5"/>
-          <a:stretch>
-            <a:fillRect/>
-          </a:stretch>
-        </p:blipFill>
+        </p:nvSpPr>
         <p:spPr>
           <a:xfrm>
-            <a:off x="1197868" y="4568742"/>
-            <a:ext cx="4610100" cy="457200"/>
+            <a:off x="2037919" y="2323182"/>
+            <a:ext cx="396000" cy="276999"/>
           </a:xfrm>
           <a:prstGeom prst="rect">
             <a:avLst/>
           </a:prstGeom>
+          <a:noFill/>
         </p:spPr>
-      </p:pic>
+        <p:txBody>
+          <a:bodyPr wrap="square" rtlCol="0">
+            <a:spAutoFit/>
+          </a:bodyPr>
+          <a:lstStyle/>
+          <a:p>
+            <a:r>
+              <a:rPr lang="en-US" sz="1200" dirty="0"/>
+              <a:t>FP</a:t>
+            </a:r>
+            <a:endParaRPr lang="en-SG" sz="1100" dirty="0"/>
+          </a:p>
+        </p:txBody>
+      </p:sp>
+      <p:sp>
+        <p:nvSpPr>
+          <p:cNvPr id="20" name="TextBox 19">
+            <a:extLst>
+              <a:ext uri="{FF2B5EF4-FFF2-40B4-BE49-F238E27FC236}">
+                <a16:creationId xmlns:a16="http://schemas.microsoft.com/office/drawing/2014/main" id="{B787B892-6F6F-4D0B-93CF-EC2BBEFB6D1E}"/>
+              </a:ext>
+            </a:extLst>
+          </p:cNvPr>
+          <p:cNvSpPr txBox="1"/>
+          <p:nvPr/>
+        </p:nvSpPr>
+        <p:spPr>
+          <a:xfrm>
+            <a:off x="447830" y="3913309"/>
+            <a:ext cx="396000" cy="276999"/>
+          </a:xfrm>
+          <a:prstGeom prst="rect">
+            <a:avLst/>
+          </a:prstGeom>
+          <a:noFill/>
+        </p:spPr>
+        <p:txBody>
+          <a:bodyPr wrap="square" rtlCol="0">
+            <a:spAutoFit/>
+          </a:bodyPr>
+          <a:lstStyle/>
+          <a:p>
+            <a:r>
+              <a:rPr lang="en-US" sz="1200" dirty="0"/>
+              <a:t>FN</a:t>
+            </a:r>
+            <a:endParaRPr lang="en-SG" sz="1100" dirty="0"/>
+          </a:p>
+        </p:txBody>
+      </p:sp>
+      <p:sp>
+        <p:nvSpPr>
+          <p:cNvPr id="21" name="TextBox 20">
+            <a:extLst>
+              <a:ext uri="{FF2B5EF4-FFF2-40B4-BE49-F238E27FC236}">
+                <a16:creationId xmlns:a16="http://schemas.microsoft.com/office/drawing/2014/main" id="{989CB2BB-3662-4178-B25C-DD7F862F0774}"/>
+              </a:ext>
+            </a:extLst>
+          </p:cNvPr>
+          <p:cNvSpPr txBox="1"/>
+          <p:nvPr/>
+        </p:nvSpPr>
+        <p:spPr>
+          <a:xfrm>
+            <a:off x="117748" y="4869160"/>
+            <a:ext cx="2880320" cy="830997"/>
+          </a:xfrm>
+          <a:prstGeom prst="rect">
+            <a:avLst/>
+          </a:prstGeom>
+          <a:noFill/>
+        </p:spPr>
+        <p:txBody>
+          <a:bodyPr wrap="square" rtlCol="0">
+            <a:spAutoFit/>
+          </a:bodyPr>
+          <a:lstStyle/>
+          <a:p>
+            <a:r>
+              <a:rPr lang="en-US" dirty="0"/>
+              <a:t>0 - Carnivore</a:t>
+            </a:r>
+          </a:p>
+          <a:p>
+            <a:r>
+              <a:rPr lang="en-US" dirty="0"/>
+              <a:t>1 - Vegetarian</a:t>
+            </a:r>
+            <a:endParaRPr lang="en-SG" dirty="0"/>
+          </a:p>
+        </p:txBody>
+      </p:sp>
     </p:spTree>
     <p:extLst>
       <p:ext uri="{BB962C8B-B14F-4D97-AF65-F5344CB8AC3E}">
-        <p14:creationId xmlns:p14="http://schemas.microsoft.com/office/powerpoint/2010/main" val="2691527007"/>
+        <p14:creationId xmlns:p14="http://schemas.microsoft.com/office/powerpoint/2010/main" val="570648465"/>
       </p:ext>
     </p:extLst>
   </p:cSld>
@@ -9691,145 +10027,226 @@
           <a:chExt cx="0" cy="0"/>
         </a:xfrm>
       </p:grpSpPr>
-      <p:sp>
-        <p:nvSpPr>
-          <p:cNvPr id="4" name="Content Placeholder 2">
+      <p:pic>
+        <p:nvPicPr>
+          <p:cNvPr id="4" name="Picture 3">
             <a:extLst>
               <a:ext uri="{FF2B5EF4-FFF2-40B4-BE49-F238E27FC236}">
-                <a16:creationId xmlns:a16="http://schemas.microsoft.com/office/drawing/2014/main" id="{85BB84DC-228A-4A2B-9BE2-BD99D8C09D1B}"/>
+                <a16:creationId xmlns:a16="http://schemas.microsoft.com/office/drawing/2014/main" id="{F101EF1F-97F4-4651-A4A1-3050D083B0E5}"/>
               </a:ext>
             </a:extLst>
           </p:cNvPr>
-          <p:cNvSpPr>
-            <a:spLocks noGrp="1"/>
-          </p:cNvSpPr>
-          <p:nvPr>
-            <p:ph idx="1"/>
-          </p:nvPr>
+          <p:cNvPicPr>
+            <a:picLocks noChangeAspect="1"/>
+          </p:cNvPicPr>
+          <p:nvPr/>
+        </p:nvPicPr>
+        <p:blipFill>
+          <a:blip r:embed="rId2"/>
+          <a:stretch>
+            <a:fillRect/>
+          </a:stretch>
+        </p:blipFill>
+        <p:spPr>
+          <a:xfrm>
+            <a:off x="261764" y="1484784"/>
+            <a:ext cx="3780000" cy="2707000"/>
+          </a:xfrm>
+          <a:prstGeom prst="rect">
+            <a:avLst/>
+          </a:prstGeom>
+        </p:spPr>
+      </p:pic>
+      <p:pic>
+        <p:nvPicPr>
+          <p:cNvPr id="5" name="Picture 4">
+            <a:extLst>
+              <a:ext uri="{FF2B5EF4-FFF2-40B4-BE49-F238E27FC236}">
+                <a16:creationId xmlns:a16="http://schemas.microsoft.com/office/drawing/2014/main" id="{678A8DDE-3AE5-4919-99DA-7EEFFA047872}"/>
+              </a:ext>
+            </a:extLst>
+          </p:cNvPr>
+          <p:cNvPicPr>
+            <a:picLocks noChangeAspect="1"/>
+          </p:cNvPicPr>
+          <p:nvPr/>
+        </p:nvPicPr>
+        <p:blipFill>
+          <a:blip r:embed="rId3"/>
+          <a:stretch>
+            <a:fillRect/>
+          </a:stretch>
+        </p:blipFill>
+        <p:spPr>
+          <a:xfrm>
+            <a:off x="6251956" y="822771"/>
+            <a:ext cx="3780000" cy="2696997"/>
+          </a:xfrm>
+          <a:prstGeom prst="rect">
+            <a:avLst/>
+          </a:prstGeom>
+        </p:spPr>
+      </p:pic>
+      <p:sp>
+        <p:nvSpPr>
+          <p:cNvPr id="6" name="TextBox 5">
+            <a:extLst>
+              <a:ext uri="{FF2B5EF4-FFF2-40B4-BE49-F238E27FC236}">
+                <a16:creationId xmlns:a16="http://schemas.microsoft.com/office/drawing/2014/main" id="{44A0ECCB-449A-4FE3-9251-613A8DE25393}"/>
+              </a:ext>
+            </a:extLst>
+          </p:cNvPr>
+          <p:cNvSpPr txBox="1"/>
+          <p:nvPr/>
         </p:nvSpPr>
         <p:spPr>
           <a:xfrm>
-            <a:off x="1218882" y="548680"/>
-            <a:ext cx="10800000" cy="5832648"/>
+            <a:off x="1593912" y="105550"/>
+            <a:ext cx="9001000" cy="646331"/>
           </a:xfrm>
+          <a:prstGeom prst="rect">
+            <a:avLst/>
+          </a:prstGeom>
+          <a:noFill/>
         </p:spPr>
         <p:txBody>
-          <a:bodyPr>
-            <a:noAutofit/>
+          <a:bodyPr wrap="square">
+            <a:spAutoFit/>
           </a:bodyPr>
           <a:lstStyle/>
           <a:p>
-            <a:pPr marL="0" indent="0">
+            <a:pPr algn="ctr">
               <a:spcBef>
                 <a:spcPts val="600"/>
               </a:spcBef>
               <a:spcAft>
                 <a:spcPts val="600"/>
               </a:spcAft>
-              <a:buNone/>
             </a:pPr>
             <a:r>
-              <a:rPr lang="en-US" sz="3600" b="1" dirty="0"/>
-              <a:t>Conclusion</a:t>
-            </a:r>
-          </a:p>
-          <a:p>
-            <a:pPr marL="0" indent="0">
+              <a:rPr lang="en-SG" sz="3600" b="1" dirty="0"/>
+              <a:t>Logistic Regression Evaluation</a:t>
+            </a:r>
+            <a:endParaRPr lang="en-US" sz="2800" b="1" dirty="0"/>
+          </a:p>
+        </p:txBody>
+      </p:sp>
+      <p:sp>
+        <p:nvSpPr>
+          <p:cNvPr id="13" name="TextBox 12">
+            <a:extLst>
+              <a:ext uri="{FF2B5EF4-FFF2-40B4-BE49-F238E27FC236}">
+                <a16:creationId xmlns:a16="http://schemas.microsoft.com/office/drawing/2014/main" id="{8E6D9FF4-3A17-49F4-A462-D1435CFD14A2}"/>
+              </a:ext>
+            </a:extLst>
+          </p:cNvPr>
+          <p:cNvSpPr txBox="1"/>
+          <p:nvPr/>
+        </p:nvSpPr>
+        <p:spPr>
+          <a:xfrm>
+            <a:off x="501692" y="4293096"/>
+            <a:ext cx="3300144" cy="1569660"/>
+          </a:xfrm>
+          <a:prstGeom prst="rect">
+            <a:avLst/>
+          </a:prstGeom>
+          <a:noFill/>
+        </p:spPr>
+        <p:txBody>
+          <a:bodyPr wrap="square" rtlCol="0">
+            <a:spAutoFit/>
+          </a:bodyPr>
+          <a:lstStyle/>
+          <a:p>
+            <a:pPr algn="ctr"/>
+            <a:r>
+              <a:rPr lang="en-US" dirty="0"/>
+              <a:t>Predicted Probability that</a:t>
+            </a:r>
+          </a:p>
+          <a:p>
+            <a:pPr algn="ctr"/>
+            <a:r>
+              <a:rPr lang="en-US" dirty="0"/>
+              <a:t> Vegetarian = 1 Carnivore = 0</a:t>
+            </a:r>
+            <a:endParaRPr lang="en-SG" dirty="0"/>
+          </a:p>
+        </p:txBody>
+      </p:sp>
+      <p:sp>
+        <p:nvSpPr>
+          <p:cNvPr id="14" name="TextBox 13">
+            <a:extLst>
+              <a:ext uri="{FF2B5EF4-FFF2-40B4-BE49-F238E27FC236}">
+                <a16:creationId xmlns:a16="http://schemas.microsoft.com/office/drawing/2014/main" id="{5786A4C7-8BA2-40A5-B929-B34903661936}"/>
+              </a:ext>
+            </a:extLst>
+          </p:cNvPr>
+          <p:cNvSpPr txBox="1"/>
+          <p:nvPr/>
+        </p:nvSpPr>
+        <p:spPr>
+          <a:xfrm>
+            <a:off x="4191692" y="3573016"/>
+            <a:ext cx="7900528" cy="2462213"/>
+          </a:xfrm>
+          <a:prstGeom prst="rect">
+            <a:avLst/>
+          </a:prstGeom>
+          <a:noFill/>
+        </p:spPr>
+        <p:txBody>
+          <a:bodyPr wrap="square" rtlCol="0">
+            <a:spAutoFit/>
+          </a:bodyPr>
+          <a:lstStyle/>
+          <a:p>
+            <a:pPr algn="l">
               <a:spcBef>
                 <a:spcPts val="600"/>
               </a:spcBef>
               <a:spcAft>
                 <a:spcPts val="600"/>
               </a:spcAft>
-              <a:buNone/>
             </a:pPr>
             <a:r>
-              <a:rPr lang="en-US" sz="2000" dirty="0"/>
-              <a:t>From the analysis, Logistic Regression model has successfully solved my problem statement because it has the highest test accuracy (90.31%) of the prediction with lowest combination of false positive (29) and false negative (24) values. </a:t>
-            </a:r>
-          </a:p>
-          <a:p>
-            <a:pPr marL="0" indent="0">
+              <a:rPr lang="en-US" b="0" i="0" dirty="0">
+                <a:solidFill>
+                  <a:srgbClr val="000000"/>
+                </a:solidFill>
+                <a:effectLst/>
+              </a:rPr>
+              <a:t> - AUC- ROC curve tells how much a model is capable of distinguishing between classes. The higher the ACU, better the model is a predicting 0s as 0s and 1s as 1s.</a:t>
+            </a:r>
+          </a:p>
+          <a:p>
+            <a:pPr algn="l">
               <a:spcBef>
                 <a:spcPts val="600"/>
               </a:spcBef>
               <a:spcAft>
                 <a:spcPts val="600"/>
               </a:spcAft>
-              <a:buNone/>
             </a:pPr>
             <a:r>
-              <a:rPr lang="en-US" sz="2000" dirty="0"/>
-              <a:t>The accuracy of the model, low values of false positive and false negative are important to my analysis because I want to correctly interpret the customers' information so that my company can better serve their needs.</a:t>
-            </a:r>
-          </a:p>
-          <a:p>
-            <a:pPr marL="0" indent="0">
-              <a:spcBef>
-                <a:spcPts val="600"/>
-              </a:spcBef>
-              <a:spcAft>
-                <a:spcPts val="600"/>
-              </a:spcAft>
-              <a:buNone/>
-            </a:pPr>
-            <a:r>
-              <a:rPr lang="en-US" sz="3600" b="1" dirty="0"/>
-              <a:t>Recommendation</a:t>
-            </a:r>
-          </a:p>
-          <a:p>
-            <a:pPr marL="0" indent="0">
-              <a:spcBef>
-                <a:spcPts val="600"/>
-              </a:spcBef>
-              <a:spcAft>
-                <a:spcPts val="600"/>
-              </a:spcAft>
-              <a:buNone/>
-            </a:pPr>
-            <a:r>
-              <a:rPr lang="en-US" sz="2000" dirty="0"/>
-              <a:t>1. Classifier model : Different classifiers can be used and their performance can be evaluated to find better predictions. Tuning of parameters would also help to get a better predictions. </a:t>
-            </a:r>
-          </a:p>
-          <a:p>
-            <a:pPr marL="0" indent="0">
-              <a:spcBef>
-                <a:spcPts val="600"/>
-              </a:spcBef>
-              <a:spcAft>
-                <a:spcPts val="600"/>
-              </a:spcAft>
-              <a:buNone/>
-            </a:pPr>
-            <a:r>
-              <a:rPr lang="en-US" sz="2000" dirty="0"/>
-              <a:t>2. NLP : Optimize the stop words and explore different NLP methods that generate the root form of the inflected words in order to improve the text classification accuracy.</a:t>
-            </a:r>
-          </a:p>
-          <a:p>
-            <a:pPr marL="0" indent="0">
-              <a:spcBef>
-                <a:spcPts val="600"/>
-              </a:spcBef>
-              <a:spcAft>
-                <a:spcPts val="600"/>
-              </a:spcAft>
-              <a:buNone/>
-            </a:pPr>
-            <a:r>
-              <a:rPr lang="en-US" sz="2000" dirty="0"/>
-              <a:t>3. Data : Scrape and collect more data for a better prediction, such as getting information from different blogs or social media instead of Reddit.</a:t>
-            </a:r>
-            <a:endParaRPr lang="en-US" sz="1400" dirty="0"/>
+              <a:rPr lang="en-US" b="0" i="0" dirty="0">
+                <a:solidFill>
+                  <a:srgbClr val="000000"/>
+                </a:solidFill>
+                <a:effectLst/>
+              </a:rPr>
+              <a:t>- My ROC AUC is 0.972 which is closer to 1, which mean my model is a good classifier whereby positive and negative populations are almost perfectly separated.</a:t>
+            </a:r>
+            <a:endParaRPr lang="en-SG" dirty="0"/>
           </a:p>
         </p:txBody>
       </p:sp>
     </p:spTree>
     <p:extLst>
       <p:ext uri="{BB962C8B-B14F-4D97-AF65-F5344CB8AC3E}">
-        <p14:creationId xmlns:p14="http://schemas.microsoft.com/office/powerpoint/2010/main" val="2676995762"/>
+        <p14:creationId xmlns:p14="http://schemas.microsoft.com/office/powerpoint/2010/main" val="2755631705"/>
       </p:ext>
     </p:extLst>
   </p:cSld>
@@ -9870,6 +10287,557 @@
       </p:grpSpPr>
       <p:sp>
         <p:nvSpPr>
+          <p:cNvPr id="8" name="TextBox 7">
+            <a:extLst>
+              <a:ext uri="{FF2B5EF4-FFF2-40B4-BE49-F238E27FC236}">
+                <a16:creationId xmlns:a16="http://schemas.microsoft.com/office/drawing/2014/main" id="{44C72959-F6A6-4A72-BBCB-878B5EB6B48B}"/>
+              </a:ext>
+            </a:extLst>
+          </p:cNvPr>
+          <p:cNvSpPr txBox="1"/>
+          <p:nvPr/>
+        </p:nvSpPr>
+        <p:spPr>
+          <a:xfrm>
+            <a:off x="1259843" y="244586"/>
+            <a:ext cx="9001000" cy="646331"/>
+          </a:xfrm>
+          <a:prstGeom prst="rect">
+            <a:avLst/>
+          </a:prstGeom>
+          <a:noFill/>
+        </p:spPr>
+        <p:txBody>
+          <a:bodyPr wrap="square">
+            <a:spAutoFit/>
+          </a:bodyPr>
+          <a:lstStyle/>
+          <a:p>
+            <a:pPr algn="ctr">
+              <a:spcBef>
+                <a:spcPts val="600"/>
+              </a:spcBef>
+              <a:spcAft>
+                <a:spcPts val="600"/>
+              </a:spcAft>
+            </a:pPr>
+            <a:r>
+              <a:rPr lang="en-SG" sz="3600" b="1" dirty="0"/>
+              <a:t>Misclassification Analysis</a:t>
+            </a:r>
+            <a:endParaRPr lang="en-US" sz="2800" b="1" dirty="0"/>
+          </a:p>
+        </p:txBody>
+      </p:sp>
+      <p:sp>
+        <p:nvSpPr>
+          <p:cNvPr id="4" name="TextBox 3">
+            <a:extLst>
+              <a:ext uri="{FF2B5EF4-FFF2-40B4-BE49-F238E27FC236}">
+                <a16:creationId xmlns:a16="http://schemas.microsoft.com/office/drawing/2014/main" id="{778DDCD8-ADD6-461A-B3D5-F5ACD23377F1}"/>
+              </a:ext>
+            </a:extLst>
+          </p:cNvPr>
+          <p:cNvSpPr txBox="1"/>
+          <p:nvPr/>
+        </p:nvSpPr>
+        <p:spPr>
+          <a:xfrm>
+            <a:off x="1413892" y="890917"/>
+            <a:ext cx="9001000" cy="646331"/>
+          </a:xfrm>
+          <a:prstGeom prst="rect">
+            <a:avLst/>
+          </a:prstGeom>
+          <a:noFill/>
+        </p:spPr>
+        <p:txBody>
+          <a:bodyPr wrap="square">
+            <a:spAutoFit/>
+          </a:bodyPr>
+          <a:lstStyle/>
+          <a:p>
+            <a:pPr>
+              <a:spcBef>
+                <a:spcPts val="600"/>
+              </a:spcBef>
+              <a:spcAft>
+                <a:spcPts val="600"/>
+              </a:spcAft>
+            </a:pPr>
+            <a:r>
+              <a:rPr lang="en-SG" sz="3600" b="1" dirty="0"/>
+              <a:t>False Positive Example</a:t>
+            </a:r>
+            <a:endParaRPr lang="en-US" sz="2800" b="1" dirty="0"/>
+          </a:p>
+        </p:txBody>
+      </p:sp>
+      <p:pic>
+        <p:nvPicPr>
+          <p:cNvPr id="3" name="Picture 2">
+            <a:extLst>
+              <a:ext uri="{FF2B5EF4-FFF2-40B4-BE49-F238E27FC236}">
+                <a16:creationId xmlns:a16="http://schemas.microsoft.com/office/drawing/2014/main" id="{6FD82651-6CBE-4782-B7B9-765E09B715B4}"/>
+              </a:ext>
+            </a:extLst>
+          </p:cNvPr>
+          <p:cNvPicPr>
+            <a:picLocks noChangeAspect="1"/>
+          </p:cNvPicPr>
+          <p:nvPr/>
+        </p:nvPicPr>
+        <p:blipFill>
+          <a:blip r:embed="rId2"/>
+          <a:stretch>
+            <a:fillRect/>
+          </a:stretch>
+        </p:blipFill>
+        <p:spPr>
+          <a:xfrm>
+            <a:off x="1459484" y="1537248"/>
+            <a:ext cx="9505950" cy="876300"/>
+          </a:xfrm>
+          <a:prstGeom prst="rect">
+            <a:avLst/>
+          </a:prstGeom>
+        </p:spPr>
+      </p:pic>
+      <p:pic>
+        <p:nvPicPr>
+          <p:cNvPr id="5" name="Picture 4">
+            <a:extLst>
+              <a:ext uri="{FF2B5EF4-FFF2-40B4-BE49-F238E27FC236}">
+                <a16:creationId xmlns:a16="http://schemas.microsoft.com/office/drawing/2014/main" id="{8F8E46EC-94D7-4128-88C7-882752536F11}"/>
+              </a:ext>
+            </a:extLst>
+          </p:cNvPr>
+          <p:cNvPicPr>
+            <a:picLocks noChangeAspect="1"/>
+          </p:cNvPicPr>
+          <p:nvPr/>
+        </p:nvPicPr>
+        <p:blipFill>
+          <a:blip r:embed="rId3"/>
+          <a:stretch>
+            <a:fillRect/>
+          </a:stretch>
+        </p:blipFill>
+        <p:spPr>
+          <a:xfrm>
+            <a:off x="1461517" y="2413548"/>
+            <a:ext cx="4562475" cy="419100"/>
+          </a:xfrm>
+          <a:prstGeom prst="rect">
+            <a:avLst/>
+          </a:prstGeom>
+        </p:spPr>
+      </p:pic>
+      <p:sp>
+        <p:nvSpPr>
+          <p:cNvPr id="7" name="TextBox 6">
+            <a:extLst>
+              <a:ext uri="{FF2B5EF4-FFF2-40B4-BE49-F238E27FC236}">
+                <a16:creationId xmlns:a16="http://schemas.microsoft.com/office/drawing/2014/main" id="{A08A2542-B7A0-4ED7-BAA9-581FBA2A5235}"/>
+              </a:ext>
+            </a:extLst>
+          </p:cNvPr>
+          <p:cNvSpPr txBox="1"/>
+          <p:nvPr/>
+        </p:nvSpPr>
+        <p:spPr>
+          <a:xfrm>
+            <a:off x="1459484" y="2966682"/>
+            <a:ext cx="9001000" cy="646331"/>
+          </a:xfrm>
+          <a:prstGeom prst="rect">
+            <a:avLst/>
+          </a:prstGeom>
+          <a:noFill/>
+        </p:spPr>
+        <p:txBody>
+          <a:bodyPr wrap="square">
+            <a:spAutoFit/>
+          </a:bodyPr>
+          <a:lstStyle/>
+          <a:p>
+            <a:pPr>
+              <a:spcBef>
+                <a:spcPts val="600"/>
+              </a:spcBef>
+              <a:spcAft>
+                <a:spcPts val="600"/>
+              </a:spcAft>
+            </a:pPr>
+            <a:r>
+              <a:rPr lang="en-SG" sz="3600" b="1" dirty="0"/>
+              <a:t>False Negative Example</a:t>
+            </a:r>
+            <a:endParaRPr lang="en-US" sz="2800" b="1" dirty="0"/>
+          </a:p>
+        </p:txBody>
+      </p:sp>
+      <p:pic>
+        <p:nvPicPr>
+          <p:cNvPr id="6" name="Picture 5">
+            <a:extLst>
+              <a:ext uri="{FF2B5EF4-FFF2-40B4-BE49-F238E27FC236}">
+                <a16:creationId xmlns:a16="http://schemas.microsoft.com/office/drawing/2014/main" id="{6CC10D05-43A3-419F-81DA-6F6680606B9E}"/>
+              </a:ext>
+            </a:extLst>
+          </p:cNvPr>
+          <p:cNvPicPr>
+            <a:picLocks noChangeAspect="1"/>
+          </p:cNvPicPr>
+          <p:nvPr/>
+        </p:nvPicPr>
+        <p:blipFill>
+          <a:blip r:embed="rId4"/>
+          <a:stretch>
+            <a:fillRect/>
+          </a:stretch>
+        </p:blipFill>
+        <p:spPr>
+          <a:xfrm>
+            <a:off x="1413892" y="3609908"/>
+            <a:ext cx="9515475" cy="695325"/>
+          </a:xfrm>
+          <a:prstGeom prst="rect">
+            <a:avLst/>
+          </a:prstGeom>
+        </p:spPr>
+      </p:pic>
+      <p:pic>
+        <p:nvPicPr>
+          <p:cNvPr id="9" name="Picture 8">
+            <a:extLst>
+              <a:ext uri="{FF2B5EF4-FFF2-40B4-BE49-F238E27FC236}">
+                <a16:creationId xmlns:a16="http://schemas.microsoft.com/office/drawing/2014/main" id="{53225156-992D-463C-838C-FD2679F8A9D7}"/>
+              </a:ext>
+            </a:extLst>
+          </p:cNvPr>
+          <p:cNvPicPr>
+            <a:picLocks noChangeAspect="1"/>
+          </p:cNvPicPr>
+          <p:nvPr/>
+        </p:nvPicPr>
+        <p:blipFill>
+          <a:blip r:embed="rId5"/>
+          <a:stretch>
+            <a:fillRect/>
+          </a:stretch>
+        </p:blipFill>
+        <p:spPr>
+          <a:xfrm>
+            <a:off x="1414645" y="4231811"/>
+            <a:ext cx="4610100" cy="457200"/>
+          </a:xfrm>
+          <a:prstGeom prst="rect">
+            <a:avLst/>
+          </a:prstGeom>
+        </p:spPr>
+      </p:pic>
+      <p:sp>
+        <p:nvSpPr>
+          <p:cNvPr id="2" name="TextBox 1">
+            <a:extLst>
+              <a:ext uri="{FF2B5EF4-FFF2-40B4-BE49-F238E27FC236}">
+                <a16:creationId xmlns:a16="http://schemas.microsoft.com/office/drawing/2014/main" id="{7C8A5A20-63EC-4D84-A196-ADC69D28BC11}"/>
+              </a:ext>
+            </a:extLst>
+          </p:cNvPr>
+          <p:cNvSpPr txBox="1"/>
+          <p:nvPr/>
+        </p:nvSpPr>
+        <p:spPr>
+          <a:xfrm>
+            <a:off x="1259842" y="4809373"/>
+            <a:ext cx="9705591" cy="830997"/>
+          </a:xfrm>
+          <a:prstGeom prst="rect">
+            <a:avLst/>
+          </a:prstGeom>
+          <a:noFill/>
+        </p:spPr>
+        <p:txBody>
+          <a:bodyPr wrap="square" rtlCol="0">
+            <a:spAutoFit/>
+          </a:bodyPr>
+          <a:lstStyle/>
+          <a:p>
+            <a:pPr marL="342900" indent="-342900">
+              <a:buFont typeface="Arial" panose="020B0604020202020204" pitchFamily="34" charset="0"/>
+              <a:buChar char="•"/>
+            </a:pPr>
+            <a:r>
+              <a:rPr lang="en-US" dirty="0"/>
+              <a:t>When text with coefficient &gt;=1, it is under group 1 (vegetarian)</a:t>
+            </a:r>
+          </a:p>
+          <a:p>
+            <a:pPr marL="342900" indent="-342900">
+              <a:buFont typeface="Arial" panose="020B0604020202020204" pitchFamily="34" charset="0"/>
+              <a:buChar char="•"/>
+            </a:pPr>
+            <a:r>
+              <a:rPr lang="en-US" dirty="0"/>
+              <a:t>When text with coefficient &lt;1, it is under group 0 (carnivore)</a:t>
+            </a:r>
+            <a:endParaRPr lang="en-SG" dirty="0"/>
+          </a:p>
+        </p:txBody>
+      </p:sp>
+    </p:spTree>
+    <p:extLst>
+      <p:ext uri="{BB962C8B-B14F-4D97-AF65-F5344CB8AC3E}">
+        <p14:creationId xmlns:p14="http://schemas.microsoft.com/office/powerpoint/2010/main" val="2691527007"/>
+      </p:ext>
+    </p:extLst>
+  </p:cSld>
+  <p:clrMapOvr>
+    <a:masterClrMapping/>
+  </p:clrMapOvr>
+  <mc:AlternateContent xmlns:mc="http://schemas.openxmlformats.org/markup-compatibility/2006" xmlns:p14="http://schemas.microsoft.com/office/powerpoint/2010/main">
+    <mc:Choice Requires="p14">
+      <p:transition spd="med" p14:dur="700">
+        <p:fade/>
+      </p:transition>
+    </mc:Choice>
+    <mc:Fallback xmlns="">
+      <p:transition spd="med">
+        <p:fade/>
+      </p:transition>
+    </mc:Fallback>
+  </mc:AlternateContent>
+</p:sld>
+</file>
+
+<file path=ppt/slides/slide13.xml><?xml version="1.0" encoding="utf-8"?>
+<p:sld xmlns:a="http://schemas.openxmlformats.org/drawingml/2006/main" xmlns:r="http://schemas.openxmlformats.org/officeDocument/2006/relationships" xmlns:p="http://schemas.openxmlformats.org/presentationml/2006/main">
+  <p:cSld>
+    <p:spTree>
+      <p:nvGrpSpPr>
+        <p:cNvPr id="1" name=""/>
+        <p:cNvGrpSpPr/>
+        <p:nvPr/>
+      </p:nvGrpSpPr>
+      <p:grpSpPr>
+        <a:xfrm>
+          <a:off x="0" y="0"/>
+          <a:ext cx="0" cy="0"/>
+          <a:chOff x="0" y="0"/>
+          <a:chExt cx="0" cy="0"/>
+        </a:xfrm>
+      </p:grpSpPr>
+      <p:sp>
+        <p:nvSpPr>
+          <p:cNvPr id="4" name="Content Placeholder 2">
+            <a:extLst>
+              <a:ext uri="{FF2B5EF4-FFF2-40B4-BE49-F238E27FC236}">
+                <a16:creationId xmlns:a16="http://schemas.microsoft.com/office/drawing/2014/main" id="{85BB84DC-228A-4A2B-9BE2-BD99D8C09D1B}"/>
+              </a:ext>
+            </a:extLst>
+          </p:cNvPr>
+          <p:cNvSpPr>
+            <a:spLocks noGrp="1"/>
+          </p:cNvSpPr>
+          <p:nvPr>
+            <p:ph idx="1"/>
+          </p:nvPr>
+        </p:nvSpPr>
+        <p:spPr>
+          <a:xfrm>
+            <a:off x="1218882" y="548680"/>
+            <a:ext cx="10800000" cy="5400600"/>
+          </a:xfrm>
+        </p:spPr>
+        <p:txBody>
+          <a:bodyPr>
+            <a:noAutofit/>
+          </a:bodyPr>
+          <a:lstStyle/>
+          <a:p>
+            <a:pPr marL="0" indent="0">
+              <a:spcBef>
+                <a:spcPts val="600"/>
+              </a:spcBef>
+              <a:spcAft>
+                <a:spcPts val="600"/>
+              </a:spcAft>
+              <a:buNone/>
+            </a:pPr>
+            <a:r>
+              <a:rPr lang="en-US" sz="3600" b="1" dirty="0"/>
+              <a:t>Conclusion</a:t>
+            </a:r>
+          </a:p>
+          <a:p>
+            <a:pPr marL="0" indent="0">
+              <a:spcBef>
+                <a:spcPts val="600"/>
+              </a:spcBef>
+              <a:spcAft>
+                <a:spcPts val="600"/>
+              </a:spcAft>
+              <a:buNone/>
+            </a:pPr>
+            <a:r>
+              <a:rPr lang="en-US" sz="2000" dirty="0"/>
+              <a:t>From the analysis, Logistic Regression model has successfully solved my problem statement because it has the highest test accuracy (90.31%) of the prediction with lowest combination of false positive (29) and false negative (24) values. </a:t>
+            </a:r>
+          </a:p>
+          <a:p>
+            <a:pPr marL="0" indent="0">
+              <a:spcBef>
+                <a:spcPts val="600"/>
+              </a:spcBef>
+              <a:spcAft>
+                <a:spcPts val="600"/>
+              </a:spcAft>
+              <a:buNone/>
+            </a:pPr>
+            <a:r>
+              <a:rPr lang="en-US" sz="2000" dirty="0"/>
+              <a:t>The accuracy of the model, low values of false positive and false negative are important to my analysis because I want to correctly interpret the customers' information so that my company can better serve their needs.</a:t>
+            </a:r>
+          </a:p>
+          <a:p>
+            <a:pPr marL="0" indent="0">
+              <a:spcBef>
+                <a:spcPts val="600"/>
+              </a:spcBef>
+              <a:spcAft>
+                <a:spcPts val="600"/>
+              </a:spcAft>
+              <a:buNone/>
+            </a:pPr>
+            <a:r>
+              <a:rPr lang="en-US" sz="3600" b="1" dirty="0"/>
+              <a:t>Recommendation</a:t>
+            </a:r>
+          </a:p>
+          <a:p>
+            <a:pPr marL="0" indent="0">
+              <a:spcBef>
+                <a:spcPts val="600"/>
+              </a:spcBef>
+              <a:spcAft>
+                <a:spcPts val="600"/>
+              </a:spcAft>
+              <a:buNone/>
+            </a:pPr>
+            <a:r>
+              <a:rPr lang="en-US" sz="2000" dirty="0"/>
+              <a:t>1. Classifier model : Different classifiers can be used and their performance can be evaluated to find better predictions. Tuning of parameters would also help to get a better predictions. </a:t>
+            </a:r>
+          </a:p>
+          <a:p>
+            <a:pPr marL="0" indent="0">
+              <a:spcBef>
+                <a:spcPts val="600"/>
+              </a:spcBef>
+              <a:spcAft>
+                <a:spcPts val="600"/>
+              </a:spcAft>
+              <a:buNone/>
+            </a:pPr>
+            <a:r>
+              <a:rPr lang="en-US" sz="2000" dirty="0"/>
+              <a:t>2. NLP : Optimize the stop words and explore different NLP methods that generate the root form of the inflected words in order to improve the text classification accuracy.</a:t>
+            </a:r>
+          </a:p>
+          <a:p>
+            <a:pPr marL="0" indent="0">
+              <a:spcBef>
+                <a:spcPts val="600"/>
+              </a:spcBef>
+              <a:spcAft>
+                <a:spcPts val="600"/>
+              </a:spcAft>
+              <a:buNone/>
+            </a:pPr>
+            <a:r>
+              <a:rPr lang="en-US" sz="2000" dirty="0"/>
+              <a:t>3. Data : Scrape and collect more data for a better prediction, such as getting information from different blogs or social media.</a:t>
+            </a:r>
+            <a:endParaRPr lang="en-US" sz="1400" dirty="0"/>
+          </a:p>
+        </p:txBody>
+      </p:sp>
+    </p:spTree>
+    <p:extLst>
+      <p:ext uri="{BB962C8B-B14F-4D97-AF65-F5344CB8AC3E}">
+        <p14:creationId xmlns:p14="http://schemas.microsoft.com/office/powerpoint/2010/main" val="2676995762"/>
+      </p:ext>
+    </p:extLst>
+  </p:cSld>
+  <p:clrMapOvr>
+    <a:masterClrMapping/>
+  </p:clrMapOvr>
+  <mc:AlternateContent xmlns:mc="http://schemas.openxmlformats.org/markup-compatibility/2006" xmlns:p14="http://schemas.microsoft.com/office/powerpoint/2010/main">
+    <mc:Choice Requires="p14">
+      <p:transition spd="med" p14:dur="700">
+        <p:fade/>
+      </p:transition>
+    </mc:Choice>
+    <mc:Fallback xmlns="">
+      <p:transition spd="med">
+        <p:fade/>
+      </p:transition>
+    </mc:Fallback>
+  </mc:AlternateContent>
+</p:sld>
+</file>
+
+<file path=ppt/slides/slide14.xml><?xml version="1.0" encoding="utf-8"?>
+<p:sld xmlns:a="http://schemas.openxmlformats.org/drawingml/2006/main" xmlns:r="http://schemas.openxmlformats.org/officeDocument/2006/relationships" xmlns:p="http://schemas.openxmlformats.org/presentationml/2006/main">
+  <p:cSld>
+    <p:spTree>
+      <p:nvGrpSpPr>
+        <p:cNvPr id="1" name=""/>
+        <p:cNvGrpSpPr/>
+        <p:nvPr/>
+      </p:nvGrpSpPr>
+      <p:grpSpPr>
+        <a:xfrm>
+          <a:off x="0" y="0"/>
+          <a:ext cx="0" cy="0"/>
+          <a:chOff x="0" y="0"/>
+          <a:chExt cx="0" cy="0"/>
+        </a:xfrm>
+      </p:grpSpPr>
+      <p:pic>
+        <p:nvPicPr>
+          <p:cNvPr id="2" name="Picture 1">
+            <a:extLst>
+              <a:ext uri="{FF2B5EF4-FFF2-40B4-BE49-F238E27FC236}">
+                <a16:creationId xmlns:a16="http://schemas.microsoft.com/office/drawing/2014/main" id="{6C26FC76-3775-478A-86A2-B06F77FECB53}"/>
+              </a:ext>
+            </a:extLst>
+          </p:cNvPr>
+          <p:cNvPicPr>
+            <a:picLocks noChangeAspect="1"/>
+          </p:cNvPicPr>
+          <p:nvPr/>
+        </p:nvPicPr>
+        <p:blipFill>
+          <a:blip r:embed="rId2"/>
+          <a:stretch>
+            <a:fillRect/>
+          </a:stretch>
+        </p:blipFill>
+        <p:spPr>
+          <a:xfrm>
+            <a:off x="3214412" y="44624"/>
+            <a:ext cx="5760000" cy="4035120"/>
+          </a:xfrm>
+          <a:prstGeom prst="rect">
+            <a:avLst/>
+          </a:prstGeom>
+        </p:spPr>
+      </p:pic>
+      <p:sp>
+        <p:nvSpPr>
           <p:cNvPr id="4" name="Content Placeholder 2">
             <a:extLst>
               <a:ext uri="{FF2B5EF4-FFF2-40B4-BE49-F238E27FC236}">
@@ -9886,8 +10854,8 @@
         </p:nvSpPr>
         <p:spPr>
           <a:xfrm>
-            <a:off x="1594412" y="1629000"/>
-            <a:ext cx="9000000" cy="3600000"/>
+            <a:off x="1594412" y="4069974"/>
+            <a:ext cx="9000000" cy="1800200"/>
           </a:xfrm>
         </p:spPr>
         <p:txBody>
@@ -9976,6 +10944,275 @@
           <a:chExt cx="0" cy="0"/>
         </a:xfrm>
       </p:grpSpPr>
+      <p:sp>
+        <p:nvSpPr>
+          <p:cNvPr id="9" name="TextBox 8">
+            <a:extLst>
+              <a:ext uri="{FF2B5EF4-FFF2-40B4-BE49-F238E27FC236}">
+                <a16:creationId xmlns:a16="http://schemas.microsoft.com/office/drawing/2014/main" id="{E4897880-473A-4420-918E-354DB486183C}"/>
+              </a:ext>
+            </a:extLst>
+          </p:cNvPr>
+          <p:cNvSpPr txBox="1"/>
+          <p:nvPr/>
+        </p:nvSpPr>
+        <p:spPr>
+          <a:xfrm>
+            <a:off x="1053852" y="332656"/>
+            <a:ext cx="10009112" cy="4893647"/>
+          </a:xfrm>
+          <a:prstGeom prst="rect">
+            <a:avLst/>
+          </a:prstGeom>
+          <a:noFill/>
+        </p:spPr>
+        <p:txBody>
+          <a:bodyPr wrap="square">
+            <a:spAutoFit/>
+          </a:bodyPr>
+          <a:lstStyle/>
+          <a:p>
+            <a:r>
+              <a:rPr lang="en-US" sz="3600" b="1" dirty="0"/>
+              <a:t>Executive Summary</a:t>
+            </a:r>
+          </a:p>
+          <a:p>
+            <a:pPr marL="342900" indent="-342900">
+              <a:buFont typeface="Arial" panose="020B0604020202020204" pitchFamily="34" charset="0"/>
+              <a:buChar char="•"/>
+            </a:pPr>
+            <a:r>
+              <a:rPr lang="en-US" dirty="0"/>
+              <a:t>Food is a uniquely important commodity, no one can avoid consuming it. </a:t>
+            </a:r>
+          </a:p>
+          <a:p>
+            <a:pPr marL="342900" indent="-342900">
+              <a:buFont typeface="Arial" panose="020B0604020202020204" pitchFamily="34" charset="0"/>
+              <a:buChar char="•"/>
+            </a:pPr>
+            <a:r>
+              <a:rPr lang="en-US" dirty="0"/>
+              <a:t>Foods are composed of plethora of substances, some of these we need, some we should avoid, others we should limit.</a:t>
+            </a:r>
+          </a:p>
+          <a:p>
+            <a:pPr marL="342900" indent="-342900">
+              <a:buFont typeface="Arial" panose="020B0604020202020204" pitchFamily="34" charset="0"/>
+              <a:buChar char="•"/>
+            </a:pPr>
+            <a:r>
+              <a:rPr lang="en-US" dirty="0"/>
+              <a:t>Different people have different needs for food substances, and different people have different tolerances for them.</a:t>
+            </a:r>
+          </a:p>
+          <a:p>
+            <a:endParaRPr lang="en-US" dirty="0"/>
+          </a:p>
+          <a:p>
+            <a:r>
+              <a:rPr lang="en-US" sz="3600" b="1" dirty="0"/>
+              <a:t>Problem Statement</a:t>
+            </a:r>
+          </a:p>
+          <a:p>
+            <a:r>
+              <a:rPr lang="en-US" dirty="0"/>
+              <a:t>How might I better understand what is important to customers and their needs so that I can assist my marketing team to develop relevant products and services to better meet those needs.</a:t>
+            </a:r>
+            <a:endParaRPr lang="en-SG" dirty="0"/>
+          </a:p>
+        </p:txBody>
+      </p:sp>
+    </p:spTree>
+    <p:extLst>
+      <p:ext uri="{BB962C8B-B14F-4D97-AF65-F5344CB8AC3E}">
+        <p14:creationId xmlns:p14="http://schemas.microsoft.com/office/powerpoint/2010/main" val="2041341814"/>
+      </p:ext>
+    </p:extLst>
+  </p:cSld>
+  <p:clrMapOvr>
+    <a:masterClrMapping/>
+  </p:clrMapOvr>
+  <mc:AlternateContent xmlns:mc="http://schemas.openxmlformats.org/markup-compatibility/2006" xmlns:p14="http://schemas.microsoft.com/office/powerpoint/2010/main">
+    <mc:Choice Requires="p14">
+      <p:transition spd="med" p14:dur="700">
+        <p:fade/>
+      </p:transition>
+    </mc:Choice>
+    <mc:Fallback xmlns="">
+      <p:transition spd="med">
+        <p:fade/>
+      </p:transition>
+    </mc:Fallback>
+  </mc:AlternateContent>
+</p:sld>
+</file>
+
+<file path=ppt/slides/slide3.xml><?xml version="1.0" encoding="utf-8"?>
+<p:sld xmlns:a="http://schemas.openxmlformats.org/drawingml/2006/main" xmlns:r="http://schemas.openxmlformats.org/officeDocument/2006/relationships" xmlns:p="http://schemas.openxmlformats.org/presentationml/2006/main">
+  <p:cSld>
+    <p:spTree>
+      <p:nvGrpSpPr>
+        <p:cNvPr id="1" name=""/>
+        <p:cNvGrpSpPr/>
+        <p:nvPr/>
+      </p:nvGrpSpPr>
+      <p:grpSpPr>
+        <a:xfrm>
+          <a:off x="0" y="0"/>
+          <a:ext cx="0" cy="0"/>
+          <a:chOff x="0" y="0"/>
+          <a:chExt cx="0" cy="0"/>
+        </a:xfrm>
+      </p:grpSpPr>
+      <p:sp>
+        <p:nvSpPr>
+          <p:cNvPr id="3" name="Content Placeholder 2">
+            <a:extLst>
+              <a:ext uri="{FF2B5EF4-FFF2-40B4-BE49-F238E27FC236}">
+                <a16:creationId xmlns:a16="http://schemas.microsoft.com/office/drawing/2014/main" id="{0E2A7D2F-007E-41C1-A7DC-5E44567F51C6}"/>
+              </a:ext>
+            </a:extLst>
+          </p:cNvPr>
+          <p:cNvSpPr>
+            <a:spLocks noGrp="1"/>
+          </p:cNvSpPr>
+          <p:nvPr>
+            <p:ph idx="1"/>
+          </p:nvPr>
+        </p:nvSpPr>
+        <p:spPr>
+          <a:xfrm>
+            <a:off x="1197868" y="404664"/>
+            <a:ext cx="10800000" cy="5400000"/>
+          </a:xfrm>
+        </p:spPr>
+        <p:txBody>
+          <a:bodyPr>
+            <a:normAutofit/>
+          </a:bodyPr>
+          <a:lstStyle/>
+          <a:p>
+            <a:pPr marL="0" indent="0">
+              <a:spcBef>
+                <a:spcPts val="600"/>
+              </a:spcBef>
+              <a:spcAft>
+                <a:spcPts val="600"/>
+              </a:spcAft>
+              <a:buNone/>
+            </a:pPr>
+            <a:r>
+              <a:rPr lang="en-US" sz="3600" b="1" dirty="0"/>
+              <a:t>Strategy</a:t>
+            </a:r>
+            <a:endParaRPr lang="en-US" sz="4000" b="1" dirty="0"/>
+          </a:p>
+          <a:p>
+            <a:pPr>
+              <a:spcBef>
+                <a:spcPts val="600"/>
+              </a:spcBef>
+              <a:spcAft>
+                <a:spcPts val="600"/>
+              </a:spcAft>
+            </a:pPr>
+            <a:r>
+              <a:rPr lang="en-US" sz="2400" dirty="0"/>
+              <a:t>I am a data scientist working in a food industry company. My purpose of this project is to develop a classification model so that I can identify whether the user is a vegetarian or carnivore, as well as capturing the keywords of the conversations to determine trending topics.</a:t>
+            </a:r>
+          </a:p>
+          <a:p>
+            <a:pPr>
+              <a:spcBef>
+                <a:spcPts val="600"/>
+              </a:spcBef>
+              <a:spcAft>
+                <a:spcPts val="600"/>
+              </a:spcAft>
+            </a:pPr>
+            <a:r>
+              <a:rPr lang="en-US" sz="2400" dirty="0"/>
+              <a:t>Marketing strategy has moved from B2C method (companies create and sell products that they think the customers needs) to the C2B method (observing customers' behavior, listening and reviewing customers' comments and co-create new products). </a:t>
+            </a:r>
+          </a:p>
+          <a:p>
+            <a:pPr marL="0" indent="0">
+              <a:spcBef>
+                <a:spcPts val="600"/>
+              </a:spcBef>
+              <a:spcAft>
+                <a:spcPts val="600"/>
+              </a:spcAft>
+              <a:buNone/>
+            </a:pPr>
+            <a:r>
+              <a:rPr lang="en-US" sz="3600" b="1" dirty="0"/>
+              <a:t>Stakeholder</a:t>
+            </a:r>
+          </a:p>
+          <a:p>
+            <a:pPr marL="0" indent="0">
+              <a:spcBef>
+                <a:spcPts val="600"/>
+              </a:spcBef>
+              <a:spcAft>
+                <a:spcPts val="600"/>
+              </a:spcAft>
+              <a:buNone/>
+            </a:pPr>
+            <a:r>
+              <a:rPr lang="en-US" sz="2400" dirty="0"/>
+              <a:t>My main stakeholder for this project will be my company's marketing team whereby they can utilize the information to make better decision for new products and services.</a:t>
+            </a:r>
+            <a:endParaRPr lang="en-SG" sz="2400" dirty="0"/>
+          </a:p>
+        </p:txBody>
+      </p:sp>
+    </p:spTree>
+    <p:extLst>
+      <p:ext uri="{BB962C8B-B14F-4D97-AF65-F5344CB8AC3E}">
+        <p14:creationId xmlns:p14="http://schemas.microsoft.com/office/powerpoint/2010/main" val="4156253106"/>
+      </p:ext>
+    </p:extLst>
+  </p:cSld>
+  <p:clrMapOvr>
+    <a:masterClrMapping/>
+  </p:clrMapOvr>
+  <mc:AlternateContent xmlns:mc="http://schemas.openxmlformats.org/markup-compatibility/2006" xmlns:p14="http://schemas.microsoft.com/office/powerpoint/2010/main">
+    <mc:Choice Requires="p14">
+      <p:transition spd="med" p14:dur="700">
+        <p:fade/>
+      </p:transition>
+    </mc:Choice>
+    <mc:Fallback xmlns="">
+      <p:transition spd="med">
+        <p:fade/>
+      </p:transition>
+    </mc:Fallback>
+  </mc:AlternateContent>
+</p:sld>
+</file>
+
+<file path=ppt/slides/slide4.xml><?xml version="1.0" encoding="utf-8"?>
+<p:sld xmlns:a="http://schemas.openxmlformats.org/drawingml/2006/main" xmlns:r="http://schemas.openxmlformats.org/officeDocument/2006/relationships" xmlns:p="http://schemas.openxmlformats.org/presentationml/2006/main">
+  <p:cSld>
+    <p:spTree>
+      <p:nvGrpSpPr>
+        <p:cNvPr id="1" name=""/>
+        <p:cNvGrpSpPr/>
+        <p:nvPr/>
+      </p:nvGrpSpPr>
+      <p:grpSpPr>
+        <a:xfrm>
+          <a:off x="0" y="0"/>
+          <a:ext cx="0" cy="0"/>
+          <a:chOff x="0" y="0"/>
+          <a:chExt cx="0" cy="0"/>
+        </a:xfrm>
+      </p:grpSpPr>
       <p:graphicFrame>
         <p:nvGraphicFramePr>
           <p:cNvPr id="6" name="Diagram 5">
@@ -9989,7 +11226,7 @@
           <p:nvPr>
             <p:extLst>
               <p:ext uri="{D42A27DB-BD31-4B8C-83A1-F6EECF244321}">
-                <p14:modId xmlns:p14="http://schemas.microsoft.com/office/powerpoint/2010/main" val="4026986115"/>
+                <p14:modId xmlns:p14="http://schemas.microsoft.com/office/powerpoint/2010/main" val="4153503332"/>
               </p:ext>
             </p:extLst>
           </p:nvPr>
@@ -10439,284 +11676,6 @@
 </p:sld>
 </file>
 
-<file path=ppt/slides/slide3.xml><?xml version="1.0" encoding="utf-8"?>
-<p:sld xmlns:a="http://schemas.openxmlformats.org/drawingml/2006/main" xmlns:r="http://schemas.openxmlformats.org/officeDocument/2006/relationships" xmlns:p="http://schemas.openxmlformats.org/presentationml/2006/main">
-  <p:cSld>
-    <p:spTree>
-      <p:nvGrpSpPr>
-        <p:cNvPr id="1" name=""/>
-        <p:cNvGrpSpPr/>
-        <p:nvPr/>
-      </p:nvGrpSpPr>
-      <p:grpSpPr>
-        <a:xfrm>
-          <a:off x="0" y="0"/>
-          <a:ext cx="0" cy="0"/>
-          <a:chOff x="0" y="0"/>
-          <a:chExt cx="0" cy="0"/>
-        </a:xfrm>
-      </p:grpSpPr>
-      <p:sp>
-        <p:nvSpPr>
-          <p:cNvPr id="9" name="TextBox 8">
-            <a:extLst>
-              <a:ext uri="{FF2B5EF4-FFF2-40B4-BE49-F238E27FC236}">
-                <a16:creationId xmlns:a16="http://schemas.microsoft.com/office/drawing/2014/main" id="{E4897880-473A-4420-918E-354DB486183C}"/>
-              </a:ext>
-            </a:extLst>
-          </p:cNvPr>
-          <p:cNvSpPr txBox="1"/>
-          <p:nvPr/>
-        </p:nvSpPr>
-        <p:spPr>
-          <a:xfrm>
-            <a:off x="1125860" y="548680"/>
-            <a:ext cx="10800000" cy="5220000"/>
-          </a:xfrm>
-          <a:prstGeom prst="rect">
-            <a:avLst/>
-          </a:prstGeom>
-          <a:noFill/>
-        </p:spPr>
-        <p:txBody>
-          <a:bodyPr wrap="square">
-            <a:spAutoFit/>
-          </a:bodyPr>
-          <a:lstStyle/>
-          <a:p>
-            <a:r>
-              <a:rPr lang="en-US" sz="3600" b="1" dirty="0"/>
-              <a:t>Executive Summary</a:t>
-            </a:r>
-          </a:p>
-          <a:p>
-            <a:pPr marL="342900" indent="-342900">
-              <a:buFont typeface="Arial" panose="020B0604020202020204" pitchFamily="34" charset="0"/>
-              <a:buChar char="•"/>
-            </a:pPr>
-            <a:r>
-              <a:rPr lang="en-US" dirty="0"/>
-              <a:t>Food is a uniquely important commodity, no one can avoid consuming it. </a:t>
-            </a:r>
-          </a:p>
-          <a:p>
-            <a:pPr marL="342900" indent="-342900">
-              <a:buFont typeface="Arial" panose="020B0604020202020204" pitchFamily="34" charset="0"/>
-              <a:buChar char="•"/>
-            </a:pPr>
-            <a:r>
-              <a:rPr lang="en-US" dirty="0"/>
-              <a:t>Foods are composed of plethora of substances, some of these we need, some we should avoid, others we should limit.</a:t>
-            </a:r>
-          </a:p>
-          <a:p>
-            <a:pPr marL="342900" indent="-342900">
-              <a:buFont typeface="Arial" panose="020B0604020202020204" pitchFamily="34" charset="0"/>
-              <a:buChar char="•"/>
-            </a:pPr>
-            <a:r>
-              <a:rPr lang="en-US" dirty="0"/>
-              <a:t>Different people have different needs for food substances, and different people have different tolerances for them.</a:t>
-            </a:r>
-          </a:p>
-          <a:p>
-            <a:endParaRPr lang="en-US" dirty="0"/>
-          </a:p>
-          <a:p>
-            <a:r>
-              <a:rPr lang="en-US" sz="3600" b="1" dirty="0"/>
-              <a:t>Problem Statement</a:t>
-            </a:r>
-          </a:p>
-          <a:p>
-            <a:r>
-              <a:rPr lang="en-US" dirty="0"/>
-              <a:t>How might I better understand what is important to customers and their needs so that I can assist my marketing team to develop relevant products and services to better meet those needs.</a:t>
-            </a:r>
-          </a:p>
-          <a:p>
-            <a:endParaRPr lang="en-US" dirty="0"/>
-          </a:p>
-          <a:p>
-            <a:pPr marL="285750" indent="-285750">
-              <a:buFontTx/>
-              <a:buChar char="-"/>
-            </a:pPr>
-            <a:endParaRPr lang="en-SG" dirty="0"/>
-          </a:p>
-        </p:txBody>
-      </p:sp>
-    </p:spTree>
-    <p:extLst>
-      <p:ext uri="{BB962C8B-B14F-4D97-AF65-F5344CB8AC3E}">
-        <p14:creationId xmlns:p14="http://schemas.microsoft.com/office/powerpoint/2010/main" val="2041341814"/>
-      </p:ext>
-    </p:extLst>
-  </p:cSld>
-  <p:clrMapOvr>
-    <a:masterClrMapping/>
-  </p:clrMapOvr>
-  <mc:AlternateContent xmlns:mc="http://schemas.openxmlformats.org/markup-compatibility/2006" xmlns:p14="http://schemas.microsoft.com/office/powerpoint/2010/main">
-    <mc:Choice Requires="p14">
-      <p:transition spd="med" p14:dur="700">
-        <p:fade/>
-      </p:transition>
-    </mc:Choice>
-    <mc:Fallback xmlns="">
-      <p:transition spd="med">
-        <p:fade/>
-      </p:transition>
-    </mc:Fallback>
-  </mc:AlternateContent>
-</p:sld>
-</file>
-
-<file path=ppt/slides/slide4.xml><?xml version="1.0" encoding="utf-8"?>
-<p:sld xmlns:a="http://schemas.openxmlformats.org/drawingml/2006/main" xmlns:r="http://schemas.openxmlformats.org/officeDocument/2006/relationships" xmlns:p="http://schemas.openxmlformats.org/presentationml/2006/main">
-  <p:cSld>
-    <p:spTree>
-      <p:nvGrpSpPr>
-        <p:cNvPr id="1" name=""/>
-        <p:cNvGrpSpPr/>
-        <p:nvPr/>
-      </p:nvGrpSpPr>
-      <p:grpSpPr>
-        <a:xfrm>
-          <a:off x="0" y="0"/>
-          <a:ext cx="0" cy="0"/>
-          <a:chOff x="0" y="0"/>
-          <a:chExt cx="0" cy="0"/>
-        </a:xfrm>
-      </p:grpSpPr>
-      <p:sp>
-        <p:nvSpPr>
-          <p:cNvPr id="3" name="Content Placeholder 2">
-            <a:extLst>
-              <a:ext uri="{FF2B5EF4-FFF2-40B4-BE49-F238E27FC236}">
-                <a16:creationId xmlns:a16="http://schemas.microsoft.com/office/drawing/2014/main" id="{0E2A7D2F-007E-41C1-A7DC-5E44567F51C6}"/>
-              </a:ext>
-            </a:extLst>
-          </p:cNvPr>
-          <p:cNvSpPr>
-            <a:spLocks noGrp="1"/>
-          </p:cNvSpPr>
-          <p:nvPr>
-            <p:ph idx="1"/>
-          </p:nvPr>
-        </p:nvSpPr>
-        <p:spPr>
-          <a:xfrm>
-            <a:off x="1218882" y="620688"/>
-            <a:ext cx="10800000" cy="5400000"/>
-          </a:xfrm>
-        </p:spPr>
-        <p:txBody>
-          <a:bodyPr>
-            <a:normAutofit/>
-          </a:bodyPr>
-          <a:lstStyle/>
-          <a:p>
-            <a:pPr marL="0" indent="0">
-              <a:spcBef>
-                <a:spcPts val="600"/>
-              </a:spcBef>
-              <a:spcAft>
-                <a:spcPts val="600"/>
-              </a:spcAft>
-              <a:buNone/>
-            </a:pPr>
-            <a:r>
-              <a:rPr lang="en-US" sz="3600" b="1" dirty="0"/>
-              <a:t>Strategy</a:t>
-            </a:r>
-            <a:endParaRPr lang="en-US" sz="4000" b="1" dirty="0"/>
-          </a:p>
-          <a:p>
-            <a:pPr>
-              <a:spcBef>
-                <a:spcPts val="600"/>
-              </a:spcBef>
-              <a:spcAft>
-                <a:spcPts val="600"/>
-              </a:spcAft>
-            </a:pPr>
-            <a:r>
-              <a:rPr lang="en-US" sz="2400" dirty="0"/>
-              <a:t>I am a data scientist working in a food industry company. My purpose of this project is to develop a classification model so that I can identify whether the user is a vegetarian or carnivore, as well as capturing the keywords of the conversations to determine trending topics.</a:t>
-            </a:r>
-          </a:p>
-          <a:p>
-            <a:pPr>
-              <a:spcBef>
-                <a:spcPts val="600"/>
-              </a:spcBef>
-              <a:spcAft>
-                <a:spcPts val="600"/>
-              </a:spcAft>
-            </a:pPr>
-            <a:r>
-              <a:rPr lang="en-US" sz="2400" dirty="0"/>
-              <a:t>Marketing strategy has moved from B2C method (companies create and sell products that they think the customers needs) to the C2B method (observing customers' behavior, listening and reviewing customers' comments and co-create new products). </a:t>
-            </a:r>
-          </a:p>
-          <a:p>
-            <a:pPr marL="0" indent="0">
-              <a:spcBef>
-                <a:spcPts val="600"/>
-              </a:spcBef>
-              <a:spcAft>
-                <a:spcPts val="600"/>
-              </a:spcAft>
-              <a:buNone/>
-            </a:pPr>
-            <a:r>
-              <a:rPr lang="en-US" sz="3600" b="1" dirty="0"/>
-              <a:t>Stakeholder</a:t>
-            </a:r>
-          </a:p>
-          <a:p>
-            <a:pPr marL="0" indent="0">
-              <a:spcBef>
-                <a:spcPts val="600"/>
-              </a:spcBef>
-              <a:spcAft>
-                <a:spcPts val="600"/>
-              </a:spcAft>
-              <a:buNone/>
-            </a:pPr>
-            <a:r>
-              <a:rPr lang="en-US" sz="2400" dirty="0"/>
-              <a:t>My main stakeholder for this project will be my company's marketing team whereby they can utilize the information to make better decision for new products and services.</a:t>
-            </a:r>
-            <a:endParaRPr lang="en-SG" sz="2400" dirty="0"/>
-          </a:p>
-        </p:txBody>
-      </p:sp>
-    </p:spTree>
-    <p:extLst>
-      <p:ext uri="{BB962C8B-B14F-4D97-AF65-F5344CB8AC3E}">
-        <p14:creationId xmlns:p14="http://schemas.microsoft.com/office/powerpoint/2010/main" val="4156253106"/>
-      </p:ext>
-    </p:extLst>
-  </p:cSld>
-  <p:clrMapOvr>
-    <a:masterClrMapping/>
-  </p:clrMapOvr>
-  <mc:AlternateContent xmlns:mc="http://schemas.openxmlformats.org/markup-compatibility/2006" xmlns:p14="http://schemas.microsoft.com/office/powerpoint/2010/main">
-    <mc:Choice Requires="p14">
-      <p:transition spd="med" p14:dur="700">
-        <p:fade/>
-      </p:transition>
-    </mc:Choice>
-    <mc:Fallback xmlns="">
-      <p:transition spd="med">
-        <p:fade/>
-      </p:transition>
-    </mc:Fallback>
-  </mc:AlternateContent>
-</p:sld>
-</file>
-
 <file path=ppt/slides/slide5.xml><?xml version="1.0" encoding="utf-8"?>
 <p:sld xmlns:a="http://schemas.openxmlformats.org/drawingml/2006/main" xmlns:r="http://schemas.openxmlformats.org/officeDocument/2006/relationships" xmlns:p="http://schemas.openxmlformats.org/presentationml/2006/main">
   <p:cSld>
@@ -10752,13 +11711,13 @@
         </p:nvSpPr>
         <p:spPr>
           <a:xfrm>
-            <a:off x="1218882" y="620688"/>
-            <a:ext cx="10800000" cy="5328592"/>
+            <a:off x="1269876" y="1628800"/>
+            <a:ext cx="9268018" cy="2880320"/>
           </a:xfrm>
         </p:spPr>
         <p:txBody>
           <a:bodyPr>
-            <a:normAutofit/>
+            <a:normAutofit lnSpcReduction="10000"/>
           </a:bodyPr>
           <a:lstStyle/>
           <a:p>
@@ -10841,78 +11800,6 @@
             <a:r>
               <a:rPr lang="en-US" sz="2400" dirty="0"/>
               <a:t>)</a:t>
-            </a:r>
-          </a:p>
-          <a:p>
-            <a:pPr marL="0" indent="0">
-              <a:spcBef>
-                <a:spcPts val="600"/>
-              </a:spcBef>
-              <a:spcAft>
-                <a:spcPts val="600"/>
-              </a:spcAft>
-              <a:buNone/>
-            </a:pPr>
-            <a:endParaRPr lang="en-US" sz="2400" dirty="0"/>
-          </a:p>
-          <a:p>
-            <a:pPr marL="0" indent="0">
-              <a:spcBef>
-                <a:spcPts val="600"/>
-              </a:spcBef>
-              <a:spcAft>
-                <a:spcPts val="600"/>
-              </a:spcAft>
-              <a:buNone/>
-            </a:pPr>
-            <a:r>
-              <a:rPr lang="en-US" sz="3600" b="1" dirty="0"/>
-              <a:t>Data Cleaning &amp; EDA</a:t>
-            </a:r>
-          </a:p>
-          <a:p>
-            <a:pPr>
-              <a:spcBef>
-                <a:spcPts val="600"/>
-              </a:spcBef>
-              <a:spcAft>
-                <a:spcPts val="600"/>
-              </a:spcAft>
-              <a:buFontTx/>
-              <a:buChar char="-"/>
-            </a:pPr>
-            <a:r>
-              <a:rPr lang="en-US" sz="2400" dirty="0"/>
-              <a:t>Remove duplicates in the </a:t>
-            </a:r>
-            <a:r>
-              <a:rPr lang="en-US" sz="2400" dirty="0" err="1"/>
-              <a:t>dataframe</a:t>
-            </a:r>
-            <a:endParaRPr lang="en-US" sz="2400" dirty="0"/>
-          </a:p>
-          <a:p>
-            <a:pPr>
-              <a:spcBef>
-                <a:spcPts val="600"/>
-              </a:spcBef>
-              <a:spcAft>
-                <a:spcPts val="600"/>
-              </a:spcAft>
-              <a:buFontTx/>
-              <a:buChar char="-"/>
-            </a:pPr>
-            <a:r>
-              <a:rPr lang="en-US" sz="2400" dirty="0"/>
-              <a:t>Replace null with empty string and combine ‘</a:t>
-            </a:r>
-            <a:r>
-              <a:rPr lang="en-US" sz="2400" dirty="0" err="1"/>
-              <a:t>selftext</a:t>
-            </a:r>
-            <a:r>
-              <a:rPr lang="en-US" sz="2400" dirty="0"/>
-              <a:t>’ and ‘title’</a:t>
             </a:r>
           </a:p>
         </p:txBody>
@@ -10943,6 +11830,242 @@
 </file>
 
 <file path=ppt/slides/slide6.xml><?xml version="1.0" encoding="utf-8"?>
+<p:sld xmlns:a="http://schemas.openxmlformats.org/drawingml/2006/main" xmlns:r="http://schemas.openxmlformats.org/officeDocument/2006/relationships" xmlns:p="http://schemas.openxmlformats.org/presentationml/2006/main">
+  <p:cSld>
+    <p:spTree>
+      <p:nvGrpSpPr>
+        <p:cNvPr id="1" name=""/>
+        <p:cNvGrpSpPr/>
+        <p:nvPr/>
+      </p:nvGrpSpPr>
+      <p:grpSpPr>
+        <a:xfrm>
+          <a:off x="0" y="0"/>
+          <a:ext cx="0" cy="0"/>
+          <a:chOff x="0" y="0"/>
+          <a:chExt cx="0" cy="0"/>
+        </a:xfrm>
+      </p:grpSpPr>
+      <p:sp>
+        <p:nvSpPr>
+          <p:cNvPr id="4" name="Content Placeholder 2">
+            <a:extLst>
+              <a:ext uri="{FF2B5EF4-FFF2-40B4-BE49-F238E27FC236}">
+                <a16:creationId xmlns:a16="http://schemas.microsoft.com/office/drawing/2014/main" id="{0227E079-D017-4163-958C-B6789BBAB826}"/>
+              </a:ext>
+            </a:extLst>
+          </p:cNvPr>
+          <p:cNvSpPr>
+            <a:spLocks noGrp="1"/>
+          </p:cNvSpPr>
+          <p:nvPr>
+            <p:ph idx="1"/>
+          </p:nvPr>
+        </p:nvSpPr>
+        <p:spPr>
+          <a:xfrm>
+            <a:off x="1269876" y="351739"/>
+            <a:ext cx="9412034" cy="2952328"/>
+          </a:xfrm>
+        </p:spPr>
+        <p:txBody>
+          <a:bodyPr>
+            <a:normAutofit/>
+          </a:bodyPr>
+          <a:lstStyle/>
+          <a:p>
+            <a:pPr marL="0" indent="0">
+              <a:spcBef>
+                <a:spcPts val="600"/>
+              </a:spcBef>
+              <a:spcAft>
+                <a:spcPts val="600"/>
+              </a:spcAft>
+              <a:buNone/>
+            </a:pPr>
+            <a:r>
+              <a:rPr lang="en-US" sz="3600" b="1" dirty="0"/>
+              <a:t>Data Cleaning &amp; EDA</a:t>
+            </a:r>
+          </a:p>
+          <a:p>
+            <a:pPr>
+              <a:spcBef>
+                <a:spcPts val="600"/>
+              </a:spcBef>
+              <a:spcAft>
+                <a:spcPts val="600"/>
+              </a:spcAft>
+              <a:buFontTx/>
+              <a:buChar char="-"/>
+            </a:pPr>
+            <a:r>
+              <a:rPr lang="en-US" sz="2400" dirty="0"/>
+              <a:t>Remove duplicates in the </a:t>
+            </a:r>
+            <a:r>
+              <a:rPr lang="en-US" sz="2400" dirty="0" err="1"/>
+              <a:t>dataframe</a:t>
+            </a:r>
+            <a:endParaRPr lang="en-US" sz="2400" dirty="0"/>
+          </a:p>
+          <a:p>
+            <a:pPr>
+              <a:spcBef>
+                <a:spcPts val="600"/>
+              </a:spcBef>
+              <a:spcAft>
+                <a:spcPts val="600"/>
+              </a:spcAft>
+              <a:buFontTx/>
+              <a:buChar char="-"/>
+            </a:pPr>
+            <a:r>
+              <a:rPr lang="en-US" sz="2400" dirty="0"/>
+              <a:t>Replace null with empty string and combine ‘</a:t>
+            </a:r>
+            <a:r>
+              <a:rPr lang="en-US" sz="2400" dirty="0" err="1"/>
+              <a:t>selftext</a:t>
+            </a:r>
+            <a:r>
+              <a:rPr lang="en-US" sz="2400" dirty="0"/>
+              <a:t>’ and ‘title’</a:t>
+            </a:r>
+          </a:p>
+          <a:p>
+            <a:pPr>
+              <a:spcBef>
+                <a:spcPts val="600"/>
+              </a:spcBef>
+              <a:spcAft>
+                <a:spcPts val="600"/>
+              </a:spcAft>
+              <a:buFontTx/>
+              <a:buChar char="-"/>
+            </a:pPr>
+            <a:r>
+              <a:rPr lang="en-US" sz="2400" dirty="0"/>
+              <a:t>Engineer a feature to turn the subreddit into a 1/0 column, whereby 1 indicates vegetarian and 0 indicates </a:t>
+            </a:r>
+            <a:r>
+              <a:rPr lang="en-US" sz="2400" dirty="0" err="1"/>
+              <a:t>zerocab</a:t>
+            </a:r>
+            <a:r>
+              <a:rPr lang="en-US" sz="2400" dirty="0"/>
+              <a:t>.</a:t>
+            </a:r>
+          </a:p>
+          <a:p>
+            <a:pPr>
+              <a:spcBef>
+                <a:spcPts val="600"/>
+              </a:spcBef>
+              <a:spcAft>
+                <a:spcPts val="600"/>
+              </a:spcAft>
+              <a:buFontTx/>
+              <a:buChar char="-"/>
+            </a:pPr>
+            <a:r>
+              <a:rPr lang="en-US" sz="2400" dirty="0"/>
+              <a:t>2/3 of the data for training, 1/3 for testing.</a:t>
+            </a:r>
+          </a:p>
+        </p:txBody>
+      </p:sp>
+      <p:pic>
+        <p:nvPicPr>
+          <p:cNvPr id="7" name="Picture 6">
+            <a:extLst>
+              <a:ext uri="{FF2B5EF4-FFF2-40B4-BE49-F238E27FC236}">
+                <a16:creationId xmlns:a16="http://schemas.microsoft.com/office/drawing/2014/main" id="{D4DBB797-0A74-412A-B460-3AE3F94B663C}"/>
+              </a:ext>
+            </a:extLst>
+          </p:cNvPr>
+          <p:cNvPicPr>
+            <a:picLocks noChangeAspect="1"/>
+          </p:cNvPicPr>
+          <p:nvPr/>
+        </p:nvPicPr>
+        <p:blipFill>
+          <a:blip r:embed="rId2"/>
+          <a:stretch>
+            <a:fillRect/>
+          </a:stretch>
+        </p:blipFill>
+        <p:spPr>
+          <a:xfrm>
+            <a:off x="1269876" y="4365104"/>
+            <a:ext cx="4486275" cy="1638300"/>
+          </a:xfrm>
+          <a:prstGeom prst="rect">
+            <a:avLst/>
+          </a:prstGeom>
+        </p:spPr>
+      </p:pic>
+      <p:sp>
+        <p:nvSpPr>
+          <p:cNvPr id="8" name="TextBox 7">
+            <a:extLst>
+              <a:ext uri="{FF2B5EF4-FFF2-40B4-BE49-F238E27FC236}">
+                <a16:creationId xmlns:a16="http://schemas.microsoft.com/office/drawing/2014/main" id="{747B5E33-C474-49B4-A8D8-07B3B7ED6A27}"/>
+              </a:ext>
+            </a:extLst>
+          </p:cNvPr>
+          <p:cNvSpPr txBox="1"/>
+          <p:nvPr/>
+        </p:nvSpPr>
+        <p:spPr>
+          <a:xfrm>
+            <a:off x="1269876" y="3542211"/>
+            <a:ext cx="5112568" cy="646331"/>
+          </a:xfrm>
+          <a:prstGeom prst="rect">
+            <a:avLst/>
+          </a:prstGeom>
+          <a:noFill/>
+        </p:spPr>
+        <p:txBody>
+          <a:bodyPr wrap="square" rtlCol="0">
+            <a:spAutoFit/>
+          </a:bodyPr>
+          <a:lstStyle/>
+          <a:p>
+            <a:r>
+              <a:rPr lang="en-US" sz="3600" b="1" dirty="0"/>
+              <a:t>Data Dictionary</a:t>
+            </a:r>
+          </a:p>
+        </p:txBody>
+      </p:sp>
+    </p:spTree>
+    <p:extLst>
+      <p:ext uri="{BB962C8B-B14F-4D97-AF65-F5344CB8AC3E}">
+        <p14:creationId xmlns:p14="http://schemas.microsoft.com/office/powerpoint/2010/main" val="1463133318"/>
+      </p:ext>
+    </p:extLst>
+  </p:cSld>
+  <p:clrMapOvr>
+    <a:masterClrMapping/>
+  </p:clrMapOvr>
+  <mc:AlternateContent xmlns:mc="http://schemas.openxmlformats.org/markup-compatibility/2006" xmlns:p14="http://schemas.microsoft.com/office/powerpoint/2010/main">
+    <mc:Choice Requires="p14">
+      <p:transition spd="med" p14:dur="700">
+        <p:fade/>
+      </p:transition>
+    </mc:Choice>
+    <mc:Fallback xmlns="">
+      <p:transition spd="med">
+        <p:fade/>
+      </p:transition>
+    </mc:Fallback>
+  </mc:AlternateContent>
+</p:sld>
+</file>
+
+<file path=ppt/slides/slide7.xml><?xml version="1.0" encoding="utf-8"?>
 <p:sld xmlns:a="http://schemas.openxmlformats.org/drawingml/2006/main" xmlns:r="http://schemas.openxmlformats.org/officeDocument/2006/relationships" xmlns:p="http://schemas.openxmlformats.org/presentationml/2006/main">
   <p:cSld>
     <p:spTree>
@@ -11045,7 +12168,7 @@
         </p:nvSpPr>
         <p:spPr>
           <a:xfrm>
-            <a:off x="1593912" y="404664"/>
+            <a:off x="1593912" y="263084"/>
             <a:ext cx="9001000" cy="646331"/>
           </a:xfrm>
           <a:prstGeom prst="rect">
@@ -11072,6 +12195,50 @@
               <a:t>Cleaning and Pre-Processing</a:t>
             </a:r>
             <a:endParaRPr lang="en-US" sz="2800" b="1" dirty="0"/>
+          </a:p>
+        </p:txBody>
+      </p:sp>
+      <p:sp>
+        <p:nvSpPr>
+          <p:cNvPr id="6" name="TextBox 5">
+            <a:extLst>
+              <a:ext uri="{FF2B5EF4-FFF2-40B4-BE49-F238E27FC236}">
+                <a16:creationId xmlns:a16="http://schemas.microsoft.com/office/drawing/2014/main" id="{8B328916-9B9C-472B-A32A-122D0B61B21F}"/>
+              </a:ext>
+            </a:extLst>
+          </p:cNvPr>
+          <p:cNvSpPr txBox="1"/>
+          <p:nvPr/>
+        </p:nvSpPr>
+        <p:spPr>
+          <a:xfrm>
+            <a:off x="4294412" y="908625"/>
+            <a:ext cx="3600000" cy="468000"/>
+          </a:xfrm>
+          <a:prstGeom prst="rect">
+            <a:avLst/>
+          </a:prstGeom>
+          <a:noFill/>
+        </p:spPr>
+        <p:txBody>
+          <a:bodyPr wrap="square" anchor="ctr">
+            <a:spAutoFit/>
+          </a:bodyPr>
+          <a:lstStyle/>
+          <a:p>
+            <a:pPr algn="ctr">
+              <a:spcBef>
+                <a:spcPts val="600"/>
+              </a:spcBef>
+              <a:spcAft>
+                <a:spcPts val="600"/>
+              </a:spcAft>
+            </a:pPr>
+            <a:r>
+              <a:rPr lang="en-SG" b="1" dirty="0" err="1"/>
+              <a:t>WordCloud</a:t>
+            </a:r>
+            <a:endParaRPr lang="en-US" b="1" dirty="0"/>
           </a:p>
         </p:txBody>
       </p:sp>
@@ -11100,7 +12267,7 @@
 </p:sld>
 </file>
 
-<file path=ppt/slides/slide7.xml><?xml version="1.0" encoding="utf-8"?>
+<file path=ppt/slides/slide8.xml><?xml version="1.0" encoding="utf-8"?>
 <p:sld xmlns:a="http://schemas.openxmlformats.org/drawingml/2006/main" xmlns:r="http://schemas.openxmlformats.org/officeDocument/2006/relationships" xmlns:p="http://schemas.openxmlformats.org/presentationml/2006/main">
   <p:cSld>
     <p:spTree>
@@ -11243,7 +12410,7 @@
         </p:blipFill>
         <p:spPr>
           <a:xfrm>
-            <a:off x="3350781" y="2258776"/>
+            <a:off x="3386252" y="1700808"/>
             <a:ext cx="5314331" cy="3708000"/>
           </a:xfrm>
           <a:prstGeom prst="rect">
@@ -11251,54 +12418,12 @@
           </a:prstGeom>
         </p:spPr>
       </p:pic>
-    </p:spTree>
-    <p:extLst>
-      <p:ext uri="{BB962C8B-B14F-4D97-AF65-F5344CB8AC3E}">
-        <p14:creationId xmlns:p14="http://schemas.microsoft.com/office/powerpoint/2010/main" val="3730963123"/>
-      </p:ext>
-    </p:extLst>
-  </p:cSld>
-  <p:clrMapOvr>
-    <a:masterClrMapping/>
-  </p:clrMapOvr>
-  <mc:AlternateContent xmlns:mc="http://schemas.openxmlformats.org/markup-compatibility/2006" xmlns:p14="http://schemas.microsoft.com/office/powerpoint/2010/main">
-    <mc:Choice Requires="p14">
-      <p:transition spd="med" p14:dur="700">
-        <p:fade/>
-      </p:transition>
-    </mc:Choice>
-    <mc:Fallback xmlns="">
-      <p:transition spd="med">
-        <p:fade/>
-      </p:transition>
-    </mc:Fallback>
-  </mc:AlternateContent>
-</p:sld>
-</file>
-
-<file path=ppt/slides/slide8.xml><?xml version="1.0" encoding="utf-8"?>
-<p:sld xmlns:a="http://schemas.openxmlformats.org/drawingml/2006/main" xmlns:r="http://schemas.openxmlformats.org/officeDocument/2006/relationships" xmlns:p="http://schemas.openxmlformats.org/presentationml/2006/main">
-  <p:cSld>
-    <p:spTree>
-      <p:nvGrpSpPr>
-        <p:cNvPr id="1" name=""/>
-        <p:cNvGrpSpPr/>
-        <p:nvPr/>
-      </p:nvGrpSpPr>
-      <p:grpSpPr>
-        <a:xfrm>
-          <a:off x="0" y="0"/>
-          <a:ext cx="0" cy="0"/>
-          <a:chOff x="0" y="0"/>
-          <a:chExt cx="0" cy="0"/>
-        </a:xfrm>
-      </p:grpSpPr>
       <p:sp>
         <p:nvSpPr>
-          <p:cNvPr id="8" name="TextBox 7">
+          <p:cNvPr id="6" name="TextBox 5">
             <a:extLst>
               <a:ext uri="{FF2B5EF4-FFF2-40B4-BE49-F238E27FC236}">
-                <a16:creationId xmlns:a16="http://schemas.microsoft.com/office/drawing/2014/main" id="{44C72959-F6A6-4A72-BBCB-878B5EB6B48B}"/>
+                <a16:creationId xmlns:a16="http://schemas.microsoft.com/office/drawing/2014/main" id="{F2908B87-C14B-4550-8BED-99AB2621252C}"/>
               </a:ext>
             </a:extLst>
           </p:cNvPr>
@@ -11307,8 +12432,8 @@
         </p:nvSpPr>
         <p:spPr>
           <a:xfrm>
-            <a:off x="1197868" y="404664"/>
-            <a:ext cx="9001000" cy="646331"/>
+            <a:off x="3934412" y="784217"/>
+            <a:ext cx="4320000" cy="540000"/>
           </a:xfrm>
           <a:prstGeom prst="rect">
             <a:avLst/>
@@ -11316,7 +12441,7 @@
           <a:noFill/>
         </p:spPr>
         <p:txBody>
-          <a:bodyPr wrap="square">
+          <a:bodyPr wrap="square" anchor="ctr">
             <a:spAutoFit/>
           </a:bodyPr>
           <a:lstStyle/>
@@ -11330,47 +12455,17 @@
               </a:spcAft>
             </a:pPr>
             <a:r>
-              <a:rPr lang="en-SG" sz="3600" b="1" dirty="0"/>
-              <a:t>Classification Models’ Results</a:t>
-            </a:r>
-            <a:endParaRPr lang="en-US" sz="2800" b="1" dirty="0"/>
+              <a:rPr lang="en-SG" b="1" dirty="0"/>
+              <a:t>Bar Charts &amp; Venn Diagram</a:t>
+            </a:r>
+            <a:endParaRPr lang="en-US" b="1" dirty="0"/>
           </a:p>
         </p:txBody>
       </p:sp>
-      <p:pic>
-        <p:nvPicPr>
-          <p:cNvPr id="2" name="Picture 1">
-            <a:extLst>
-              <a:ext uri="{FF2B5EF4-FFF2-40B4-BE49-F238E27FC236}">
-                <a16:creationId xmlns:a16="http://schemas.microsoft.com/office/drawing/2014/main" id="{8D77BEBE-2117-48B8-9DB5-CA747A85B094}"/>
-              </a:ext>
-            </a:extLst>
-          </p:cNvPr>
-          <p:cNvPicPr>
-            <a:picLocks noChangeAspect="1"/>
-          </p:cNvPicPr>
-          <p:nvPr/>
-        </p:nvPicPr>
-        <p:blipFill>
-          <a:blip r:embed="rId2"/>
-          <a:stretch>
-            <a:fillRect/>
-          </a:stretch>
-        </p:blipFill>
-        <p:spPr>
-          <a:xfrm>
-            <a:off x="1468368" y="1282901"/>
-            <a:ext cx="8460000" cy="4292198"/>
-          </a:xfrm>
-          <a:prstGeom prst="rect">
-            <a:avLst/>
-          </a:prstGeom>
-        </p:spPr>
-      </p:pic>
     </p:spTree>
     <p:extLst>
       <p:ext uri="{BB962C8B-B14F-4D97-AF65-F5344CB8AC3E}">
-        <p14:creationId xmlns:p14="http://schemas.microsoft.com/office/powerpoint/2010/main" val="2414241903"/>
+        <p14:creationId xmlns:p14="http://schemas.microsoft.com/office/powerpoint/2010/main" val="3730963123"/>
       </p:ext>
     </p:extLst>
   </p:cSld>
@@ -11423,7 +12518,7 @@
         </p:nvSpPr>
         <p:spPr>
           <a:xfrm>
-            <a:off x="1593912" y="246258"/>
+            <a:off x="1215400" y="163282"/>
             <a:ext cx="9001000" cy="646331"/>
           </a:xfrm>
           <a:prstGeom prst="rect">
@@ -11447,7 +12542,7 @@
             </a:pPr>
             <a:r>
               <a:rPr lang="en-SG" sz="3600" b="1" dirty="0"/>
-              <a:t>Confusion Matrix Results</a:t>
+              <a:t>Classification Models’ Results</a:t>
             </a:r>
             <a:endParaRPr lang="en-US" sz="2800" b="1" dirty="0"/>
           </a:p>
@@ -11455,10 +12550,10 @@
       </p:sp>
       <p:pic>
         <p:nvPicPr>
-          <p:cNvPr id="3" name="Picture 2">
+          <p:cNvPr id="2" name="Picture 1">
             <a:extLst>
               <a:ext uri="{FF2B5EF4-FFF2-40B4-BE49-F238E27FC236}">
-                <a16:creationId xmlns:a16="http://schemas.microsoft.com/office/drawing/2014/main" id="{2C2C02C4-A18E-4F11-B76C-B988237B5285}"/>
+                <a16:creationId xmlns:a16="http://schemas.microsoft.com/office/drawing/2014/main" id="{8D77BEBE-2117-48B8-9DB5-CA747A85B094}"/>
               </a:ext>
             </a:extLst>
           </p:cNvPr>
@@ -11475,98 +12570,8 @@
         </p:blipFill>
         <p:spPr>
           <a:xfrm>
-            <a:off x="1864412" y="934693"/>
-            <a:ext cx="8460000" cy="1264749"/>
-          </a:xfrm>
-          <a:prstGeom prst="rect">
-            <a:avLst/>
-          </a:prstGeom>
-        </p:spPr>
-      </p:pic>
-      <p:pic>
-        <p:nvPicPr>
-          <p:cNvPr id="4" name="Picture 3">
-            <a:extLst>
-              <a:ext uri="{FF2B5EF4-FFF2-40B4-BE49-F238E27FC236}">
-                <a16:creationId xmlns:a16="http://schemas.microsoft.com/office/drawing/2014/main" id="{78A2F9CC-922D-4EC8-B956-7C9E5B87C720}"/>
-              </a:ext>
-            </a:extLst>
-          </p:cNvPr>
-          <p:cNvPicPr>
-            <a:picLocks noChangeAspect="1"/>
-          </p:cNvPicPr>
-          <p:nvPr/>
-        </p:nvPicPr>
-        <p:blipFill>
-          <a:blip r:embed="rId3"/>
-          <a:stretch>
-            <a:fillRect/>
-          </a:stretch>
-        </p:blipFill>
-        <p:spPr>
-          <a:xfrm>
-            <a:off x="213801" y="3023839"/>
-            <a:ext cx="3060000" cy="2575933"/>
-          </a:xfrm>
-          <a:prstGeom prst="rect">
-            <a:avLst/>
-          </a:prstGeom>
-        </p:spPr>
-      </p:pic>
-      <p:pic>
-        <p:nvPicPr>
-          <p:cNvPr id="5" name="Picture 4">
-            <a:extLst>
-              <a:ext uri="{FF2B5EF4-FFF2-40B4-BE49-F238E27FC236}">
-                <a16:creationId xmlns:a16="http://schemas.microsoft.com/office/drawing/2014/main" id="{9FC1ACBD-FBE8-400D-987B-9B7BBC7F1D8E}"/>
-              </a:ext>
-            </a:extLst>
-          </p:cNvPr>
-          <p:cNvPicPr>
-            <a:picLocks noChangeAspect="1"/>
-          </p:cNvPicPr>
-          <p:nvPr/>
-        </p:nvPicPr>
-        <p:blipFill>
-          <a:blip r:embed="rId4"/>
-          <a:stretch>
-            <a:fillRect/>
-          </a:stretch>
-        </p:blipFill>
-        <p:spPr>
-          <a:xfrm>
-            <a:off x="3326066" y="3023839"/>
-            <a:ext cx="4320000" cy="3093715"/>
-          </a:xfrm>
-          <a:prstGeom prst="rect">
-            <a:avLst/>
-          </a:prstGeom>
-        </p:spPr>
-      </p:pic>
-      <p:pic>
-        <p:nvPicPr>
-          <p:cNvPr id="6" name="Picture 5">
-            <a:extLst>
-              <a:ext uri="{FF2B5EF4-FFF2-40B4-BE49-F238E27FC236}">
-                <a16:creationId xmlns:a16="http://schemas.microsoft.com/office/drawing/2014/main" id="{02B2B8EE-8D25-4005-B0BF-E58B5A3FF6FF}"/>
-              </a:ext>
-            </a:extLst>
-          </p:cNvPr>
-          <p:cNvPicPr>
-            <a:picLocks noChangeAspect="1"/>
-          </p:cNvPicPr>
-          <p:nvPr/>
-        </p:nvPicPr>
-        <p:blipFill>
-          <a:blip r:embed="rId5"/>
-          <a:stretch>
-            <a:fillRect/>
-          </a:stretch>
-        </p:blipFill>
-        <p:spPr>
-          <a:xfrm>
-            <a:off x="7750596" y="3023839"/>
-            <a:ext cx="4320000" cy="3082280"/>
+            <a:off x="1485900" y="980728"/>
+            <a:ext cx="8460000" cy="4292198"/>
           </a:xfrm>
           <a:prstGeom prst="rect">
             <a:avLst/>
@@ -11575,10 +12580,172 @@
       </p:pic>
       <p:sp>
         <p:nvSpPr>
-          <p:cNvPr id="9" name="TextBox 8">
+          <p:cNvPr id="3" name="Rectangle: Rounded Corners 2">
             <a:extLst>
               <a:ext uri="{FF2B5EF4-FFF2-40B4-BE49-F238E27FC236}">
-                <a16:creationId xmlns:a16="http://schemas.microsoft.com/office/drawing/2014/main" id="{659BF6EC-0854-43FF-9DCB-C1B3EB22C0CB}"/>
+                <a16:creationId xmlns:a16="http://schemas.microsoft.com/office/drawing/2014/main" id="{37B898AC-3B6F-43E1-AAE9-FB4615703A77}"/>
+              </a:ext>
+            </a:extLst>
+          </p:cNvPr>
+          <p:cNvSpPr/>
+          <p:nvPr/>
+        </p:nvSpPr>
+        <p:spPr>
+          <a:xfrm>
+            <a:off x="1485900" y="1653760"/>
+            <a:ext cx="8298452" cy="288032"/>
+          </a:xfrm>
+          <a:prstGeom prst="roundRect">
+            <a:avLst/>
+          </a:prstGeom>
+          <a:noFill/>
+          <a:ln w="38100" cap="flat" cmpd="sng" algn="ctr">
+            <a:solidFill>
+              <a:schemeClr val="accent3"/>
+            </a:solidFill>
+            <a:prstDash val="solid"/>
+            <a:round/>
+            <a:headEnd type="none" w="med" len="med"/>
+            <a:tailEnd type="none" w="med" len="med"/>
+          </a:ln>
+        </p:spPr>
+        <p:style>
+          <a:lnRef idx="0">
+            <a:scrgbClr r="0" g="0" b="0"/>
+          </a:lnRef>
+          <a:fillRef idx="0">
+            <a:scrgbClr r="0" g="0" b="0"/>
+          </a:fillRef>
+          <a:effectRef idx="0">
+            <a:scrgbClr r="0" g="0" b="0"/>
+          </a:effectRef>
+          <a:fontRef idx="minor">
+            <a:schemeClr val="accent3"/>
+          </a:fontRef>
+        </p:style>
+        <p:txBody>
+          <a:bodyPr rtlCol="0" anchor="ctr"/>
+          <a:lstStyle/>
+          <a:p>
+            <a:pPr algn="ctr"/>
+            <a:endParaRPr lang="en-SG"/>
+          </a:p>
+        </p:txBody>
+      </p:sp>
+      <p:sp>
+        <p:nvSpPr>
+          <p:cNvPr id="5" name="Rectangle: Rounded Corners 4">
+            <a:extLst>
+              <a:ext uri="{FF2B5EF4-FFF2-40B4-BE49-F238E27FC236}">
+                <a16:creationId xmlns:a16="http://schemas.microsoft.com/office/drawing/2014/main" id="{F3EBDC0D-20EE-43B1-9CA0-3DECF92D55B2}"/>
+              </a:ext>
+            </a:extLst>
+          </p:cNvPr>
+          <p:cNvSpPr/>
+          <p:nvPr/>
+        </p:nvSpPr>
+        <p:spPr>
+          <a:xfrm>
+            <a:off x="1485900" y="2924944"/>
+            <a:ext cx="8298452" cy="288032"/>
+          </a:xfrm>
+          <a:prstGeom prst="roundRect">
+            <a:avLst/>
+          </a:prstGeom>
+          <a:noFill/>
+          <a:ln w="38100" cap="flat" cmpd="sng" algn="ctr">
+            <a:solidFill>
+              <a:schemeClr val="accent3"/>
+            </a:solidFill>
+            <a:prstDash val="solid"/>
+            <a:round/>
+            <a:headEnd type="none" w="med" len="med"/>
+            <a:tailEnd type="none" w="med" len="med"/>
+          </a:ln>
+        </p:spPr>
+        <p:style>
+          <a:lnRef idx="0">
+            <a:scrgbClr r="0" g="0" b="0"/>
+          </a:lnRef>
+          <a:fillRef idx="0">
+            <a:scrgbClr r="0" g="0" b="0"/>
+          </a:fillRef>
+          <a:effectRef idx="0">
+            <a:scrgbClr r="0" g="0" b="0"/>
+          </a:effectRef>
+          <a:fontRef idx="minor">
+            <a:schemeClr val="accent3"/>
+          </a:fontRef>
+        </p:style>
+        <p:txBody>
+          <a:bodyPr rtlCol="0" anchor="ctr"/>
+          <a:lstStyle/>
+          <a:p>
+            <a:pPr algn="ctr"/>
+            <a:endParaRPr lang="en-SG"/>
+          </a:p>
+        </p:txBody>
+      </p:sp>
+      <p:sp>
+        <p:nvSpPr>
+          <p:cNvPr id="6" name="Rectangle: Rounded Corners 5">
+            <a:extLst>
+              <a:ext uri="{FF2B5EF4-FFF2-40B4-BE49-F238E27FC236}">
+                <a16:creationId xmlns:a16="http://schemas.microsoft.com/office/drawing/2014/main" id="{E176558C-4B93-4D24-BB21-285159134CAE}"/>
+              </a:ext>
+            </a:extLst>
+          </p:cNvPr>
+          <p:cNvSpPr/>
+          <p:nvPr/>
+        </p:nvSpPr>
+        <p:spPr>
+          <a:xfrm>
+            <a:off x="1494921" y="4221120"/>
+            <a:ext cx="8298452" cy="288000"/>
+          </a:xfrm>
+          <a:prstGeom prst="roundRect">
+            <a:avLst/>
+          </a:prstGeom>
+          <a:noFill/>
+          <a:ln w="38100" cap="flat" cmpd="sng" algn="ctr">
+            <a:solidFill>
+              <a:schemeClr val="accent3"/>
+            </a:solidFill>
+            <a:prstDash val="solid"/>
+            <a:round/>
+            <a:headEnd type="none" w="med" len="med"/>
+            <a:tailEnd type="none" w="med" len="med"/>
+          </a:ln>
+        </p:spPr>
+        <p:style>
+          <a:lnRef idx="0">
+            <a:scrgbClr r="0" g="0" b="0"/>
+          </a:lnRef>
+          <a:fillRef idx="0">
+            <a:scrgbClr r="0" g="0" b="0"/>
+          </a:fillRef>
+          <a:effectRef idx="0">
+            <a:scrgbClr r="0" g="0" b="0"/>
+          </a:effectRef>
+          <a:fontRef idx="minor">
+            <a:schemeClr val="accent3"/>
+          </a:fontRef>
+        </p:style>
+        <p:txBody>
+          <a:bodyPr rtlCol="0" anchor="ctr"/>
+          <a:lstStyle/>
+          <a:p>
+            <a:pPr algn="ctr"/>
+            <a:endParaRPr lang="en-SG"/>
+          </a:p>
+        </p:txBody>
+      </p:sp>
+      <p:sp>
+        <p:nvSpPr>
+          <p:cNvPr id="4" name="TextBox 3">
+            <a:extLst>
+              <a:ext uri="{FF2B5EF4-FFF2-40B4-BE49-F238E27FC236}">
+                <a16:creationId xmlns:a16="http://schemas.microsoft.com/office/drawing/2014/main" id="{C8F7A6FD-9B26-4B12-AB17-7F7959A7C61D}"/>
               </a:ext>
             </a:extLst>
           </p:cNvPr>
@@ -11587,8 +12754,8 @@
         </p:nvSpPr>
         <p:spPr>
           <a:xfrm>
-            <a:off x="1593912" y="2241546"/>
-            <a:ext cx="9001000" cy="646331"/>
+            <a:off x="1215400" y="5272926"/>
+            <a:ext cx="8730500" cy="830997"/>
           </a:xfrm>
           <a:prstGeom prst="rect">
             <a:avLst/>
@@ -11596,31 +12763,37 @@
           <a:noFill/>
         </p:spPr>
         <p:txBody>
-          <a:bodyPr wrap="square">
+          <a:bodyPr wrap="square" rtlCol="0">
             <a:spAutoFit/>
           </a:bodyPr>
           <a:lstStyle/>
           <a:p>
-            <a:pPr algn="ctr">
-              <a:spcBef>
-                <a:spcPts val="600"/>
-              </a:spcBef>
-              <a:spcAft>
-                <a:spcPts val="600"/>
-              </a:spcAft>
+            <a:pPr marL="342900" indent="-342900">
+              <a:buFontTx/>
+              <a:buChar char="-"/>
             </a:pPr>
             <a:r>
-              <a:rPr lang="en-SG" sz="3600" b="1" dirty="0"/>
-              <a:t>Logistic Regression Evaluation</a:t>
-            </a:r>
-            <a:endParaRPr lang="en-US" sz="2800" b="1" dirty="0"/>
+              <a:rPr lang="en-US" dirty="0"/>
+              <a:t>All models are overfitted.</a:t>
+            </a:r>
+          </a:p>
+          <a:p>
+            <a:pPr marL="342900" indent="-342900">
+              <a:buFontTx/>
+              <a:buChar char="-"/>
+            </a:pPr>
+            <a:r>
+              <a:rPr lang="en-US" dirty="0"/>
+              <a:t>Selected best test score of each model for evaluation.</a:t>
+            </a:r>
+            <a:endParaRPr lang="en-SG" dirty="0"/>
           </a:p>
         </p:txBody>
       </p:sp>
     </p:spTree>
     <p:extLst>
       <p:ext uri="{BB962C8B-B14F-4D97-AF65-F5344CB8AC3E}">
-        <p14:creationId xmlns:p14="http://schemas.microsoft.com/office/powerpoint/2010/main" val="570648465"/>
+        <p14:creationId xmlns:p14="http://schemas.microsoft.com/office/powerpoint/2010/main" val="2414241903"/>
       </p:ext>
     </p:extLst>
   </p:cSld>
@@ -11639,6 +12812,200 @@
       </p:transition>
     </mc:Fallback>
   </mc:AlternateContent>
+  <p:timing>
+    <p:tnLst>
+      <p:par>
+        <p:cTn id="1" dur="indefinite" restart="never" nodeType="tmRoot">
+          <p:childTnLst>
+            <p:seq concurrent="1" nextAc="seek">
+              <p:cTn id="2" dur="indefinite" nodeType="mainSeq">
+                <p:childTnLst>
+                  <p:par>
+                    <p:cTn id="3" fill="hold">
+                      <p:stCondLst>
+                        <p:cond delay="indefinite"/>
+                      </p:stCondLst>
+                      <p:childTnLst>
+                        <p:par>
+                          <p:cTn id="4" fill="hold">
+                            <p:stCondLst>
+                              <p:cond delay="0"/>
+                            </p:stCondLst>
+                            <p:childTnLst>
+                              <p:par>
+                                <p:cTn id="5" presetID="14" presetClass="entr" presetSubtype="10" fill="hold" grpId="0" nodeType="clickEffect">
+                                  <p:stCondLst>
+                                    <p:cond delay="0"/>
+                                  </p:stCondLst>
+                                  <p:childTnLst>
+                                    <p:set>
+                                      <p:cBhvr>
+                                        <p:cTn id="6" dur="1" fill="hold">
+                                          <p:stCondLst>
+                                            <p:cond delay="0"/>
+                                          </p:stCondLst>
+                                        </p:cTn>
+                                        <p:tgtEl>
+                                          <p:spTgt spid="3"/>
+                                        </p:tgtEl>
+                                        <p:attrNameLst>
+                                          <p:attrName>style.visibility</p:attrName>
+                                        </p:attrNameLst>
+                                      </p:cBhvr>
+                                      <p:to>
+                                        <p:strVal val="visible"/>
+                                      </p:to>
+                                    </p:set>
+                                    <p:animEffect transition="in" filter="randombar(horizontal)">
+                                      <p:cBhvr>
+                                        <p:cTn id="7" dur="250"/>
+                                        <p:tgtEl>
+                                          <p:spTgt spid="3"/>
+                                        </p:tgtEl>
+                                      </p:cBhvr>
+                                    </p:animEffect>
+                                  </p:childTnLst>
+                                </p:cTn>
+                              </p:par>
+                            </p:childTnLst>
+                          </p:cTn>
+                        </p:par>
+                      </p:childTnLst>
+                    </p:cTn>
+                  </p:par>
+                  <p:par>
+                    <p:cTn id="8" fill="hold">
+                      <p:stCondLst>
+                        <p:cond delay="indefinite"/>
+                      </p:stCondLst>
+                      <p:childTnLst>
+                        <p:par>
+                          <p:cTn id="9" fill="hold">
+                            <p:stCondLst>
+                              <p:cond delay="0"/>
+                            </p:stCondLst>
+                            <p:childTnLst>
+                              <p:par>
+                                <p:cTn id="10" presetID="14" presetClass="entr" presetSubtype="10" fill="hold" grpId="0" nodeType="clickEffect">
+                                  <p:stCondLst>
+                                    <p:cond delay="0"/>
+                                  </p:stCondLst>
+                                  <p:childTnLst>
+                                    <p:set>
+                                      <p:cBhvr>
+                                        <p:cTn id="11" dur="1" fill="hold">
+                                          <p:stCondLst>
+                                            <p:cond delay="0"/>
+                                          </p:stCondLst>
+                                        </p:cTn>
+                                        <p:tgtEl>
+                                          <p:spTgt spid="5"/>
+                                        </p:tgtEl>
+                                        <p:attrNameLst>
+                                          <p:attrName>style.visibility</p:attrName>
+                                        </p:attrNameLst>
+                                      </p:cBhvr>
+                                      <p:to>
+                                        <p:strVal val="visible"/>
+                                      </p:to>
+                                    </p:set>
+                                    <p:animEffect transition="in" filter="randombar(horizontal)">
+                                      <p:cBhvr>
+                                        <p:cTn id="12" dur="250"/>
+                                        <p:tgtEl>
+                                          <p:spTgt spid="5"/>
+                                        </p:tgtEl>
+                                      </p:cBhvr>
+                                    </p:animEffect>
+                                  </p:childTnLst>
+                                </p:cTn>
+                              </p:par>
+                            </p:childTnLst>
+                          </p:cTn>
+                        </p:par>
+                      </p:childTnLst>
+                    </p:cTn>
+                  </p:par>
+                  <p:par>
+                    <p:cTn id="13" fill="hold">
+                      <p:stCondLst>
+                        <p:cond delay="indefinite"/>
+                      </p:stCondLst>
+                      <p:childTnLst>
+                        <p:par>
+                          <p:cTn id="14" fill="hold">
+                            <p:stCondLst>
+                              <p:cond delay="0"/>
+                            </p:stCondLst>
+                            <p:childTnLst>
+                              <p:par>
+                                <p:cTn id="15" presetID="14" presetClass="entr" presetSubtype="10" fill="hold" grpId="0" nodeType="clickEffect">
+                                  <p:stCondLst>
+                                    <p:cond delay="0"/>
+                                  </p:stCondLst>
+                                  <p:childTnLst>
+                                    <p:set>
+                                      <p:cBhvr>
+                                        <p:cTn id="16" dur="1" fill="hold">
+                                          <p:stCondLst>
+                                            <p:cond delay="0"/>
+                                          </p:stCondLst>
+                                        </p:cTn>
+                                        <p:tgtEl>
+                                          <p:spTgt spid="6"/>
+                                        </p:tgtEl>
+                                        <p:attrNameLst>
+                                          <p:attrName>style.visibility</p:attrName>
+                                        </p:attrNameLst>
+                                      </p:cBhvr>
+                                      <p:to>
+                                        <p:strVal val="visible"/>
+                                      </p:to>
+                                    </p:set>
+                                    <p:animEffect transition="in" filter="randombar(horizontal)">
+                                      <p:cBhvr>
+                                        <p:cTn id="17" dur="250"/>
+                                        <p:tgtEl>
+                                          <p:spTgt spid="6"/>
+                                        </p:tgtEl>
+                                      </p:cBhvr>
+                                    </p:animEffect>
+                                  </p:childTnLst>
+                                </p:cTn>
+                              </p:par>
+                            </p:childTnLst>
+                          </p:cTn>
+                        </p:par>
+                      </p:childTnLst>
+                    </p:cTn>
+                  </p:par>
+                </p:childTnLst>
+              </p:cTn>
+              <p:prevCondLst>
+                <p:cond evt="onPrev" delay="0">
+                  <p:tgtEl>
+                    <p:sldTgt/>
+                  </p:tgtEl>
+                </p:cond>
+              </p:prevCondLst>
+              <p:nextCondLst>
+                <p:cond evt="onNext" delay="0">
+                  <p:tgtEl>
+                    <p:sldTgt/>
+                  </p:tgtEl>
+                </p:cond>
+              </p:nextCondLst>
+            </p:seq>
+          </p:childTnLst>
+        </p:cTn>
+      </p:par>
+    </p:tnLst>
+    <p:bldLst>
+      <p:bldP spid="3" grpId="0" animBg="1"/>
+      <p:bldP spid="5" grpId="0" animBg="1"/>
+      <p:bldP spid="6" grpId="0" animBg="1"/>
+    </p:bldLst>
+  </p:timing>
 </p:sld>
 </file>
 
@@ -12338,6 +13705,26 @@
 </file>
 
 <file path=customXml/item1.xml><?xml version="1.0" encoding="utf-8"?>
+<p:properties xmlns:p="http://schemas.microsoft.com/office/2006/metadata/properties" xmlns:xsi="http://www.w3.org/2001/XMLSchema-instance" xmlns:pc="http://schemas.microsoft.com/office/infopath/2007/PartnerControls">
+  <documentManagement>
+    <VSO_x0020_item_x0020_id xmlns="40262f94-9f35-4ac3-9a90-690165a166b7" xsi:nil="true"/>
+    <Assetid_x0020_ xmlns="40262f94-9f35-4ac3-9a90-690165a166b7" xsi:nil="true"/>
+    <Item_x0020_Details xmlns="40262f94-9f35-4ac3-9a90-690165a166b7" xsi:nil="true"/>
+    <Template_x0020_details xmlns="40262f94-9f35-4ac3-9a90-690165a166b7" xsi:nil="true"/>
+  </documentManagement>
+</p:properties>
+</file>
+
+<file path=customXml/item2.xml><?xml version="1.0" encoding="utf-8"?>
+<?mso-contentType ?>
+<FormTemplates xmlns="http://schemas.microsoft.com/sharepoint/v3/contenttype/forms">
+  <Display>DocumentLibraryForm</Display>
+  <Edit>DocumentLibraryForm</Edit>
+  <New>DocumentLibraryForm</New>
+</FormTemplates>
+</file>
+
+<file path=customXml/item3.xml><?xml version="1.0" encoding="utf-8"?>
 <ct:contentTypeSchema xmlns:ct="http://schemas.microsoft.com/office/2006/metadata/contentType" xmlns:ma="http://schemas.microsoft.com/office/2006/metadata/properties/metaAttributes" ct:_="" ma:_="" ma:contentTypeName="Document" ma:contentTypeID="0x010100AA3F7D94069FF64A86F7DFF56D60E3BE" ma:contentTypeVersion="6" ma:contentTypeDescription="Create a new document." ma:contentTypeScope="" ma:versionID="c32302c77d4085ecf495bdddb7f5e889">
   <xsd:schema xmlns:xsd="http://www.w3.org/2001/XMLSchema" xmlns:xs="http://www.w3.org/2001/XMLSchema" xmlns:p="http://schemas.microsoft.com/office/2006/metadata/properties" xmlns:ns2="a4f35948-e619-41b3-aa29-22878b09cfd2" xmlns:ns3="40262f94-9f35-4ac3-9a90-690165a166b7" targetNamespace="http://schemas.microsoft.com/office/2006/metadata/properties" ma:root="true" ma:fieldsID="4ab5ae46be95f9d0be6107e8200be7a2" ns2:_="" ns3:_="">
     <xsd:import namespace="a4f35948-e619-41b3-aa29-22878b09cfd2"/>
@@ -12518,27 +13905,32 @@
 </ct:contentTypeSchema>
 </file>
 
-<file path=customXml/item2.xml><?xml version="1.0" encoding="utf-8"?>
-<?mso-contentType ?>
-<FormTemplates xmlns="http://schemas.microsoft.com/sharepoint/v3/contenttype/forms">
-  <Display>DocumentLibraryForm</Display>
-  <Edit>DocumentLibraryForm</Edit>
-  <New>DocumentLibraryForm</New>
-</FormTemplates>
+<file path=customXml/itemProps1.xml><?xml version="1.0" encoding="utf-8"?>
+<ds:datastoreItem xmlns:ds="http://schemas.openxmlformats.org/officeDocument/2006/customXml" ds:itemID="{5E700CCB-20BA-4760-AB9F-AC3B63ED32E0}">
+  <ds:schemaRefs>
+    <ds:schemaRef ds:uri="http://schemas.microsoft.com/office/infopath/2007/PartnerControls"/>
+    <ds:schemaRef ds:uri="http://purl.org/dc/elements/1.1/"/>
+    <ds:schemaRef ds:uri="http://schemas.microsoft.com/office/2006/metadata/properties"/>
+    <ds:schemaRef ds:uri="http://purl.org/dc/terms/"/>
+    <ds:schemaRef ds:uri="http://schemas.openxmlformats.org/package/2006/metadata/core-properties"/>
+    <ds:schemaRef ds:uri="http://schemas.microsoft.com/office/2006/documentManagement/types"/>
+    <ds:schemaRef ds:uri="http://purl.org/dc/dcmitype/"/>
+    <ds:schemaRef ds:uri="40262f94-9f35-4ac3-9a90-690165a166b7"/>
+    <ds:schemaRef ds:uri="a4f35948-e619-41b3-aa29-22878b09cfd2"/>
+    <ds:schemaRef ds:uri="http://www.w3.org/XML/1998/namespace"/>
+  </ds:schemaRefs>
+</ds:datastoreItem>
 </file>
 
-<file path=customXml/item3.xml><?xml version="1.0" encoding="utf-8"?>
-<p:properties xmlns:p="http://schemas.microsoft.com/office/2006/metadata/properties" xmlns:xsi="http://www.w3.org/2001/XMLSchema-instance" xmlns:pc="http://schemas.microsoft.com/office/infopath/2007/PartnerControls">
-  <documentManagement>
-    <VSO_x0020_item_x0020_id xmlns="40262f94-9f35-4ac3-9a90-690165a166b7" xsi:nil="true"/>
-    <Assetid_x0020_ xmlns="40262f94-9f35-4ac3-9a90-690165a166b7" xsi:nil="true"/>
-    <Item_x0020_Details xmlns="40262f94-9f35-4ac3-9a90-690165a166b7" xsi:nil="true"/>
-    <Template_x0020_details xmlns="40262f94-9f35-4ac3-9a90-690165a166b7" xsi:nil="true"/>
-  </documentManagement>
-</p:properties>
+<file path=customXml/itemProps2.xml><?xml version="1.0" encoding="utf-8"?>
+<ds:datastoreItem xmlns:ds="http://schemas.openxmlformats.org/officeDocument/2006/customXml" ds:itemID="{308942AA-0721-4324-BC2C-A3CB43F24E71}">
+  <ds:schemaRefs>
+    <ds:schemaRef ds:uri="http://schemas.microsoft.com/sharepoint/v3/contenttype/forms"/>
+  </ds:schemaRefs>
+</ds:datastoreItem>
 </file>
 
-<file path=customXml/itemProps1.xml><?xml version="1.0" encoding="utf-8"?>
+<file path=customXml/itemProps3.xml><?xml version="1.0" encoding="utf-8"?>
 <ds:datastoreItem xmlns:ds="http://schemas.openxmlformats.org/officeDocument/2006/customXml" ds:itemID="{FB14945D-DABB-422F-9B28-D299995C9226}">
   <ds:schemaRefs>
     <ds:schemaRef ds:uri="http://schemas.microsoft.com/office/2006/metadata/contentType"/>
@@ -12555,29 +13947,4 @@
     <ds:schemaRef ds:uri="http://schemas.microsoft.com/internal/obd"/>
   </ds:schemaRefs>
 </ds:datastoreItem>
-</file>
-
-<file path=customXml/itemProps2.xml><?xml version="1.0" encoding="utf-8"?>
-<ds:datastoreItem xmlns:ds="http://schemas.openxmlformats.org/officeDocument/2006/customXml" ds:itemID="{308942AA-0721-4324-BC2C-A3CB43F24E71}">
-  <ds:schemaRefs>
-    <ds:schemaRef ds:uri="http://schemas.microsoft.com/sharepoint/v3/contenttype/forms"/>
-  </ds:schemaRefs>
-</ds:datastoreItem>
-</file>
-
-<file path=customXml/itemProps3.xml><?xml version="1.0" encoding="utf-8"?>
-<ds:datastoreItem xmlns:ds="http://schemas.openxmlformats.org/officeDocument/2006/customXml" ds:itemID="{5E700CCB-20BA-4760-AB9F-AC3B63ED32E0}">
-  <ds:schemaRefs>
-    <ds:schemaRef ds:uri="http://schemas.microsoft.com/office/infopath/2007/PartnerControls"/>
-    <ds:schemaRef ds:uri="http://purl.org/dc/elements/1.1/"/>
-    <ds:schemaRef ds:uri="http://schemas.microsoft.com/office/2006/metadata/properties"/>
-    <ds:schemaRef ds:uri="http://purl.org/dc/terms/"/>
-    <ds:schemaRef ds:uri="http://schemas.openxmlformats.org/package/2006/metadata/core-properties"/>
-    <ds:schemaRef ds:uri="http://schemas.microsoft.com/office/2006/documentManagement/types"/>
-    <ds:schemaRef ds:uri="http://purl.org/dc/dcmitype/"/>
-    <ds:schemaRef ds:uri="40262f94-9f35-4ac3-9a90-690165a166b7"/>
-    <ds:schemaRef ds:uri="a4f35948-e619-41b3-aa29-22878b09cfd2"/>
-    <ds:schemaRef ds:uri="http://www.w3.org/XML/1998/namespace"/>
-  </ds:schemaRefs>
-</ds:datastoreItem>
 </file>
--- a/Vegetarian and Carnivore Classification/Vegetarian and Carnivore Classification.pptx
+++ b/Vegetarian and Carnivore Classification/Vegetarian and Carnivore Classification.pptx
@@ -9413,8 +9413,8 @@
         </p:nvSpPr>
         <p:spPr>
           <a:xfrm>
-            <a:off x="2583912" y="223965"/>
-            <a:ext cx="6480000" cy="646331"/>
+            <a:off x="1486033" y="223965"/>
+            <a:ext cx="10008848" cy="646331"/>
           </a:xfrm>
           <a:prstGeom prst="rect">
             <a:avLst/>
@@ -9437,7 +9437,7 @@
             </a:pPr>
             <a:r>
               <a:rPr lang="en-SG" sz="3600" b="1" dirty="0"/>
-              <a:t>Confusion Matrix Results</a:t>
+              <a:t>Evaluation: Confusion Matrix Results</a:t>
             </a:r>
             <a:endParaRPr lang="en-US" sz="2800" b="1" dirty="0"/>
           </a:p>
@@ -9957,8 +9957,8 @@
         </p:nvSpPr>
         <p:spPr>
           <a:xfrm>
-            <a:off x="117748" y="4869160"/>
-            <a:ext cx="2880320" cy="830997"/>
+            <a:off x="477921" y="4830251"/>
+            <a:ext cx="2016224" cy="830997"/>
           </a:xfrm>
           <a:prstGeom prst="rect">
             <a:avLst/>
@@ -12462,6 +12462,58 @@
           </a:p>
         </p:txBody>
       </p:sp>
+      <p:sp>
+        <p:nvSpPr>
+          <p:cNvPr id="2" name="TextBox 1">
+            <a:extLst>
+              <a:ext uri="{FF2B5EF4-FFF2-40B4-BE49-F238E27FC236}">
+                <a16:creationId xmlns:a16="http://schemas.microsoft.com/office/drawing/2014/main" id="{30AA985D-FAC9-48B4-8AC6-EF52D7C276F2}"/>
+              </a:ext>
+            </a:extLst>
+          </p:cNvPr>
+          <p:cNvSpPr txBox="1"/>
+          <p:nvPr/>
+        </p:nvSpPr>
+        <p:spPr>
+          <a:xfrm>
+            <a:off x="894845" y="5522897"/>
+            <a:ext cx="10297144" cy="1200329"/>
+          </a:xfrm>
+          <a:prstGeom prst="rect">
+            <a:avLst/>
+          </a:prstGeom>
+          <a:noFill/>
+        </p:spPr>
+        <p:txBody>
+          <a:bodyPr wrap="square" rtlCol="0">
+            <a:spAutoFit/>
+          </a:bodyPr>
+          <a:lstStyle/>
+          <a:p>
+            <a:r>
+              <a:rPr lang="en-US" dirty="0"/>
+              <a:t>After going through the </a:t>
+            </a:r>
+            <a:r>
+              <a:rPr lang="en-US" dirty="0" err="1"/>
+              <a:t>wordclouds</a:t>
+            </a:r>
+            <a:r>
+              <a:rPr lang="en-US" dirty="0"/>
+              <a:t>, bar charts and Venn diagrams, I have updated my </a:t>
+            </a:r>
+            <a:r>
+              <a:rPr lang="en-US" dirty="0" err="1"/>
+              <a:t>stopwords</a:t>
+            </a:r>
+            <a:r>
+              <a:rPr lang="en-US" dirty="0"/>
+              <a:t> list to remove the words that are not useful for the prediction and the words that are similar to the name of the target variables.</a:t>
+            </a:r>
+            <a:endParaRPr lang="en-SG" dirty="0"/>
+          </a:p>
+        </p:txBody>
+      </p:sp>
     </p:spTree>
     <p:extLst>
       <p:ext uri="{BB962C8B-B14F-4D97-AF65-F5344CB8AC3E}">
@@ -12518,7 +12570,7 @@
         </p:nvSpPr>
         <p:spPr>
           <a:xfrm>
-            <a:off x="1215400" y="163282"/>
+            <a:off x="1080150" y="196770"/>
             <a:ext cx="9001000" cy="646331"/>
           </a:xfrm>
           <a:prstGeom prst="rect">
@@ -12542,7 +12594,7 @@
             </a:pPr>
             <a:r>
               <a:rPr lang="en-SG" sz="3600" b="1" dirty="0"/>
-              <a:t>Classification Models’ Results</a:t>
+              <a:t>Regression and Classification: Results</a:t>
             </a:r>
             <a:endParaRPr lang="en-US" sz="2800" b="1" dirty="0"/>
           </a:p>
@@ -13705,26 +13757,6 @@
 </file>
 
 <file path=customXml/item1.xml><?xml version="1.0" encoding="utf-8"?>
-<p:properties xmlns:p="http://schemas.microsoft.com/office/2006/metadata/properties" xmlns:xsi="http://www.w3.org/2001/XMLSchema-instance" xmlns:pc="http://schemas.microsoft.com/office/infopath/2007/PartnerControls">
-  <documentManagement>
-    <VSO_x0020_item_x0020_id xmlns="40262f94-9f35-4ac3-9a90-690165a166b7" xsi:nil="true"/>
-    <Assetid_x0020_ xmlns="40262f94-9f35-4ac3-9a90-690165a166b7" xsi:nil="true"/>
-    <Item_x0020_Details xmlns="40262f94-9f35-4ac3-9a90-690165a166b7" xsi:nil="true"/>
-    <Template_x0020_details xmlns="40262f94-9f35-4ac3-9a90-690165a166b7" xsi:nil="true"/>
-  </documentManagement>
-</p:properties>
-</file>
-
-<file path=customXml/item2.xml><?xml version="1.0" encoding="utf-8"?>
-<?mso-contentType ?>
-<FormTemplates xmlns="http://schemas.microsoft.com/sharepoint/v3/contenttype/forms">
-  <Display>DocumentLibraryForm</Display>
-  <Edit>DocumentLibraryForm</Edit>
-  <New>DocumentLibraryForm</New>
-</FormTemplates>
-</file>
-
-<file path=customXml/item3.xml><?xml version="1.0" encoding="utf-8"?>
 <ct:contentTypeSchema xmlns:ct="http://schemas.microsoft.com/office/2006/metadata/contentType" xmlns:ma="http://schemas.microsoft.com/office/2006/metadata/properties/metaAttributes" ct:_="" ma:_="" ma:contentTypeName="Document" ma:contentTypeID="0x010100AA3F7D94069FF64A86F7DFF56D60E3BE" ma:contentTypeVersion="6" ma:contentTypeDescription="Create a new document." ma:contentTypeScope="" ma:versionID="c32302c77d4085ecf495bdddb7f5e889">
   <xsd:schema xmlns:xsd="http://www.w3.org/2001/XMLSchema" xmlns:xs="http://www.w3.org/2001/XMLSchema" xmlns:p="http://schemas.microsoft.com/office/2006/metadata/properties" xmlns:ns2="a4f35948-e619-41b3-aa29-22878b09cfd2" xmlns:ns3="40262f94-9f35-4ac3-9a90-690165a166b7" targetNamespace="http://schemas.microsoft.com/office/2006/metadata/properties" ma:root="true" ma:fieldsID="4ab5ae46be95f9d0be6107e8200be7a2" ns2:_="" ns3:_="">
     <xsd:import namespace="a4f35948-e619-41b3-aa29-22878b09cfd2"/>
@@ -13905,32 +13937,27 @@
 </ct:contentTypeSchema>
 </file>
 
-<file path=customXml/itemProps1.xml><?xml version="1.0" encoding="utf-8"?>
-<ds:datastoreItem xmlns:ds="http://schemas.openxmlformats.org/officeDocument/2006/customXml" ds:itemID="{5E700CCB-20BA-4760-AB9F-AC3B63ED32E0}">
-  <ds:schemaRefs>
-    <ds:schemaRef ds:uri="http://schemas.microsoft.com/office/infopath/2007/PartnerControls"/>
-    <ds:schemaRef ds:uri="http://purl.org/dc/elements/1.1/"/>
-    <ds:schemaRef ds:uri="http://schemas.microsoft.com/office/2006/metadata/properties"/>
-    <ds:schemaRef ds:uri="http://purl.org/dc/terms/"/>
-    <ds:schemaRef ds:uri="http://schemas.openxmlformats.org/package/2006/metadata/core-properties"/>
-    <ds:schemaRef ds:uri="http://schemas.microsoft.com/office/2006/documentManagement/types"/>
-    <ds:schemaRef ds:uri="http://purl.org/dc/dcmitype/"/>
-    <ds:schemaRef ds:uri="40262f94-9f35-4ac3-9a90-690165a166b7"/>
-    <ds:schemaRef ds:uri="a4f35948-e619-41b3-aa29-22878b09cfd2"/>
-    <ds:schemaRef ds:uri="http://www.w3.org/XML/1998/namespace"/>
-  </ds:schemaRefs>
-</ds:datastoreItem>
+<file path=customXml/item2.xml><?xml version="1.0" encoding="utf-8"?>
+<?mso-contentType ?>
+<FormTemplates xmlns="http://schemas.microsoft.com/sharepoint/v3/contenttype/forms">
+  <Display>DocumentLibraryForm</Display>
+  <Edit>DocumentLibraryForm</Edit>
+  <New>DocumentLibraryForm</New>
+</FormTemplates>
 </file>
 
-<file path=customXml/itemProps2.xml><?xml version="1.0" encoding="utf-8"?>
-<ds:datastoreItem xmlns:ds="http://schemas.openxmlformats.org/officeDocument/2006/customXml" ds:itemID="{308942AA-0721-4324-BC2C-A3CB43F24E71}">
-  <ds:schemaRefs>
-    <ds:schemaRef ds:uri="http://schemas.microsoft.com/sharepoint/v3/contenttype/forms"/>
-  </ds:schemaRefs>
-</ds:datastoreItem>
+<file path=customXml/item3.xml><?xml version="1.0" encoding="utf-8"?>
+<p:properties xmlns:p="http://schemas.microsoft.com/office/2006/metadata/properties" xmlns:xsi="http://www.w3.org/2001/XMLSchema-instance" xmlns:pc="http://schemas.microsoft.com/office/infopath/2007/PartnerControls">
+  <documentManagement>
+    <VSO_x0020_item_x0020_id xmlns="40262f94-9f35-4ac3-9a90-690165a166b7" xsi:nil="true"/>
+    <Assetid_x0020_ xmlns="40262f94-9f35-4ac3-9a90-690165a166b7" xsi:nil="true"/>
+    <Item_x0020_Details xmlns="40262f94-9f35-4ac3-9a90-690165a166b7" xsi:nil="true"/>
+    <Template_x0020_details xmlns="40262f94-9f35-4ac3-9a90-690165a166b7" xsi:nil="true"/>
+  </documentManagement>
+</p:properties>
 </file>
 
-<file path=customXml/itemProps3.xml><?xml version="1.0" encoding="utf-8"?>
+<file path=customXml/itemProps1.xml><?xml version="1.0" encoding="utf-8"?>
 <ds:datastoreItem xmlns:ds="http://schemas.openxmlformats.org/officeDocument/2006/customXml" ds:itemID="{FB14945D-DABB-422F-9B28-D299995C9226}">
   <ds:schemaRefs>
     <ds:schemaRef ds:uri="http://schemas.microsoft.com/office/2006/metadata/contentType"/>
@@ -13947,4 +13974,29 @@
     <ds:schemaRef ds:uri="http://schemas.microsoft.com/internal/obd"/>
   </ds:schemaRefs>
 </ds:datastoreItem>
+</file>
+
+<file path=customXml/itemProps2.xml><?xml version="1.0" encoding="utf-8"?>
+<ds:datastoreItem xmlns:ds="http://schemas.openxmlformats.org/officeDocument/2006/customXml" ds:itemID="{308942AA-0721-4324-BC2C-A3CB43F24E71}">
+  <ds:schemaRefs>
+    <ds:schemaRef ds:uri="http://schemas.microsoft.com/sharepoint/v3/contenttype/forms"/>
+  </ds:schemaRefs>
+</ds:datastoreItem>
+</file>
+
+<file path=customXml/itemProps3.xml><?xml version="1.0" encoding="utf-8"?>
+<ds:datastoreItem xmlns:ds="http://schemas.openxmlformats.org/officeDocument/2006/customXml" ds:itemID="{5E700CCB-20BA-4760-AB9F-AC3B63ED32E0}">
+  <ds:schemaRefs>
+    <ds:schemaRef ds:uri="http://schemas.microsoft.com/office/infopath/2007/PartnerControls"/>
+    <ds:schemaRef ds:uri="http://purl.org/dc/elements/1.1/"/>
+    <ds:schemaRef ds:uri="http://schemas.microsoft.com/office/2006/metadata/properties"/>
+    <ds:schemaRef ds:uri="http://purl.org/dc/terms/"/>
+    <ds:schemaRef ds:uri="http://schemas.openxmlformats.org/package/2006/metadata/core-properties"/>
+    <ds:schemaRef ds:uri="http://schemas.microsoft.com/office/2006/documentManagement/types"/>
+    <ds:schemaRef ds:uri="http://purl.org/dc/dcmitype/"/>
+    <ds:schemaRef ds:uri="40262f94-9f35-4ac3-9a90-690165a166b7"/>
+    <ds:schemaRef ds:uri="a4f35948-e619-41b3-aa29-22878b09cfd2"/>
+    <ds:schemaRef ds:uri="http://www.w3.org/XML/1998/namespace"/>
+  </ds:schemaRefs>
+</ds:datastoreItem>
 </file>
--- a/Vegetarian and Carnivore Classification/Vegetarian and Carnivore Classification.pptx
+++ b/Vegetarian and Carnivore Classification/Vegetarian and Carnivore Classification.pptx
@@ -1054,7 +1054,7 @@
         <a:p>
           <a:r>
             <a:rPr lang="en-US" sz="1500" dirty="0"/>
-            <a:t>Data Massage</a:t>
+            <a:t>Data Wrangling</a:t>
           </a:r>
         </a:p>
         <a:p>
@@ -1724,7 +1724,7 @@
           </a:pPr>
           <a:r>
             <a:rPr lang="en-US" sz="1500" kern="1200" dirty="0"/>
-            <a:t>Data Massage</a:t>
+            <a:t>Data Wrangling</a:t>
           </a:r>
         </a:p>
         <a:p>
@@ -10218,7 +10218,7 @@
                 </a:solidFill>
                 <a:effectLst/>
               </a:rPr>
-              <a:t> - AUC- ROC curve tells how much a model is capable of distinguishing between classes. The higher the ACU, better the model is a predicting 0s as 0s and 1s as 1s.</a:t>
+              <a:t> - AUC- ROC curve tells how much a model is capable of distinguishing between classes. The higher the AUC, better the model is a predicting 0s as 0s and 1s as 1s.</a:t>
             </a:r>
           </a:p>
           <a:p>
@@ -11226,7 +11226,7 @@
           <p:nvPr>
             <p:extLst>
               <p:ext uri="{D42A27DB-BD31-4B8C-83A1-F6EECF244321}">
-                <p14:modId xmlns:p14="http://schemas.microsoft.com/office/powerpoint/2010/main" val="4153503332"/>
+                <p14:modId xmlns:p14="http://schemas.microsoft.com/office/powerpoint/2010/main" val="2022303371"/>
               </p:ext>
             </p:extLst>
           </p:nvPr>
